--- a/Documentation/Wildfire Intensity.pptx
+++ b/Documentation/Wildfire Intensity.pptx
@@ -6,19 +6,22 @@
     <p:sldMasterId id="2147483674" r:id="rId2"/>
   </p:sldMasterIdLst>
   <p:notesMasterIdLst>
-    <p:notesMasterId r:id="rId13"/>
+    <p:notesMasterId r:id="rId16"/>
   </p:notesMasterIdLst>
   <p:sldIdLst>
     <p:sldId id="256" r:id="rId3"/>
     <p:sldId id="257" r:id="rId4"/>
-    <p:sldId id="259" r:id="rId5"/>
-    <p:sldId id="258" r:id="rId6"/>
-    <p:sldId id="260" r:id="rId7"/>
-    <p:sldId id="261" r:id="rId8"/>
-    <p:sldId id="265" r:id="rId9"/>
-    <p:sldId id="262" r:id="rId10"/>
-    <p:sldId id="263" r:id="rId11"/>
-    <p:sldId id="264" r:id="rId12"/>
+    <p:sldId id="267" r:id="rId5"/>
+    <p:sldId id="259" r:id="rId6"/>
+    <p:sldId id="268" r:id="rId7"/>
+    <p:sldId id="258" r:id="rId8"/>
+    <p:sldId id="260" r:id="rId9"/>
+    <p:sldId id="261" r:id="rId10"/>
+    <p:sldId id="265" r:id="rId11"/>
+    <p:sldId id="262" r:id="rId12"/>
+    <p:sldId id="263" r:id="rId13"/>
+    <p:sldId id="266" r:id="rId14"/>
+    <p:sldId id="264" r:id="rId15"/>
   </p:sldIdLst>
   <p:sldSz cx="9144000" cy="6858000" type="screen4x3"/>
   <p:notesSz cx="6858000" cy="9144000"/>
@@ -202,7 +205,8 @@
           <a:p>
             <a:fld id="{E6451CCE-4B62-4B72-8EEC-B8EB48556317}" type="datetimeFigureOut">
               <a:rPr lang="en-US" smtClean="0"/>
-              <a:t>2/28/2019</a:t>
+              <a:pPr/>
+              <a:t>3/1/2019</a:t>
             </a:fld>
             <a:endParaRPr lang="en-IN"/>
           </a:p>
@@ -363,6 +367,7 @@
           <a:p>
             <a:fld id="{868E6EDD-878B-443C-B0D5-5F9E5DAAE19E}" type="slidenum">
               <a:rPr lang="en-IN" smtClean="0"/>
+              <a:pPr/>
               <a:t>‹#›</a:t>
             </a:fld>
             <a:endParaRPr lang="en-IN"/>
@@ -545,7 +550,254 @@
           <a:p>
             <a:fld id="{868E6EDD-878B-443C-B0D5-5F9E5DAAE19E}" type="slidenum">
               <a:rPr lang="en-IN" smtClean="0"/>
+              <a:pPr/>
               <a:t>2</a:t>
+            </a:fld>
+            <a:endParaRPr lang="en-IN"/>
+          </a:p>
+        </p:txBody>
+      </p:sp>
+    </p:spTree>
+  </p:cSld>
+  <p:clrMapOvr>
+    <a:masterClrMapping/>
+  </p:clrMapOvr>
+</p:notes>
+</file>
+
+<file path=ppt/notesSlides/notesSlide10.xml><?xml version="1.0" encoding="utf-8"?>
+<p:notes xmlns:a="http://schemas.openxmlformats.org/drawingml/2006/main" xmlns:r="http://schemas.openxmlformats.org/officeDocument/2006/relationships" xmlns:p="http://schemas.openxmlformats.org/presentationml/2006/main">
+  <p:cSld>
+    <p:spTree>
+      <p:nvGrpSpPr>
+        <p:cNvPr id="1" name=""/>
+        <p:cNvGrpSpPr/>
+        <p:nvPr/>
+      </p:nvGrpSpPr>
+      <p:grpSpPr>
+        <a:xfrm>
+          <a:off x="0" y="0"/>
+          <a:ext cx="0" cy="0"/>
+          <a:chOff x="0" y="0"/>
+          <a:chExt cx="0" cy="0"/>
+        </a:xfrm>
+      </p:grpSpPr>
+      <p:sp>
+        <p:nvSpPr>
+          <p:cNvPr id="2" name="Slide Image Placeholder 1"/>
+          <p:cNvSpPr>
+            <a:spLocks noGrp="1" noRot="1" noChangeAspect="1"/>
+          </p:cNvSpPr>
+          <p:nvPr>
+            <p:ph type="sldImg"/>
+          </p:nvPr>
+        </p:nvSpPr>
+        <p:spPr/>
+      </p:sp>
+      <p:sp>
+        <p:nvSpPr>
+          <p:cNvPr id="3" name="Notes Placeholder 2"/>
+          <p:cNvSpPr>
+            <a:spLocks noGrp="1"/>
+          </p:cNvSpPr>
+          <p:nvPr>
+            <p:ph type="body" idx="1"/>
+          </p:nvPr>
+        </p:nvSpPr>
+        <p:spPr/>
+        <p:txBody>
+          <a:bodyPr>
+            <a:normAutofit/>
+          </a:bodyPr>
+          <a:lstStyle/>
+          <a:p>
+            <a:endParaRPr lang="en-IN" dirty="0"/>
+          </a:p>
+        </p:txBody>
+      </p:sp>
+      <p:sp>
+        <p:nvSpPr>
+          <p:cNvPr id="4" name="Slide Number Placeholder 3"/>
+          <p:cNvSpPr>
+            <a:spLocks noGrp="1"/>
+          </p:cNvSpPr>
+          <p:nvPr>
+            <p:ph type="sldNum" sz="quarter" idx="10"/>
+          </p:nvPr>
+        </p:nvSpPr>
+        <p:spPr/>
+        <p:txBody>
+          <a:bodyPr/>
+          <a:lstStyle/>
+          <a:p>
+            <a:fld id="{868E6EDD-878B-443C-B0D5-5F9E5DAAE19E}" type="slidenum">
+              <a:rPr lang="en-IN" smtClean="0"/>
+              <a:pPr/>
+              <a:t>11</a:t>
+            </a:fld>
+            <a:endParaRPr lang="en-IN"/>
+          </a:p>
+        </p:txBody>
+      </p:sp>
+    </p:spTree>
+  </p:cSld>
+  <p:clrMapOvr>
+    <a:masterClrMapping/>
+  </p:clrMapOvr>
+</p:notes>
+</file>
+
+<file path=ppt/notesSlides/notesSlide11.xml><?xml version="1.0" encoding="utf-8"?>
+<p:notes xmlns:a="http://schemas.openxmlformats.org/drawingml/2006/main" xmlns:r="http://schemas.openxmlformats.org/officeDocument/2006/relationships" xmlns:p="http://schemas.openxmlformats.org/presentationml/2006/main">
+  <p:cSld>
+    <p:spTree>
+      <p:nvGrpSpPr>
+        <p:cNvPr id="1" name=""/>
+        <p:cNvGrpSpPr/>
+        <p:nvPr/>
+      </p:nvGrpSpPr>
+      <p:grpSpPr>
+        <a:xfrm>
+          <a:off x="0" y="0"/>
+          <a:ext cx="0" cy="0"/>
+          <a:chOff x="0" y="0"/>
+          <a:chExt cx="0" cy="0"/>
+        </a:xfrm>
+      </p:grpSpPr>
+      <p:sp>
+        <p:nvSpPr>
+          <p:cNvPr id="2" name="Slide Image Placeholder 1"/>
+          <p:cNvSpPr>
+            <a:spLocks noGrp="1" noRot="1" noChangeAspect="1"/>
+          </p:cNvSpPr>
+          <p:nvPr>
+            <p:ph type="sldImg"/>
+          </p:nvPr>
+        </p:nvSpPr>
+        <p:spPr/>
+      </p:sp>
+      <p:sp>
+        <p:nvSpPr>
+          <p:cNvPr id="3" name="Notes Placeholder 2"/>
+          <p:cNvSpPr>
+            <a:spLocks noGrp="1"/>
+          </p:cNvSpPr>
+          <p:nvPr>
+            <p:ph type="body" idx="1"/>
+          </p:nvPr>
+        </p:nvSpPr>
+        <p:spPr/>
+        <p:txBody>
+          <a:bodyPr>
+            <a:normAutofit/>
+          </a:bodyPr>
+          <a:lstStyle/>
+          <a:p>
+            <a:endParaRPr lang="en-IN" dirty="0"/>
+          </a:p>
+        </p:txBody>
+      </p:sp>
+      <p:sp>
+        <p:nvSpPr>
+          <p:cNvPr id="4" name="Slide Number Placeholder 3"/>
+          <p:cNvSpPr>
+            <a:spLocks noGrp="1"/>
+          </p:cNvSpPr>
+          <p:nvPr>
+            <p:ph type="sldNum" sz="quarter" idx="10"/>
+          </p:nvPr>
+        </p:nvSpPr>
+        <p:spPr/>
+        <p:txBody>
+          <a:bodyPr/>
+          <a:lstStyle/>
+          <a:p>
+            <a:fld id="{868E6EDD-878B-443C-B0D5-5F9E5DAAE19E}" type="slidenum">
+              <a:rPr lang="en-IN" smtClean="0"/>
+              <a:pPr/>
+              <a:t>12</a:t>
+            </a:fld>
+            <a:endParaRPr lang="en-IN"/>
+          </a:p>
+        </p:txBody>
+      </p:sp>
+    </p:spTree>
+  </p:cSld>
+  <p:clrMapOvr>
+    <a:masterClrMapping/>
+  </p:clrMapOvr>
+</p:notes>
+</file>
+
+<file path=ppt/notesSlides/notesSlide12.xml><?xml version="1.0" encoding="utf-8"?>
+<p:notes xmlns:a="http://schemas.openxmlformats.org/drawingml/2006/main" xmlns:r="http://schemas.openxmlformats.org/officeDocument/2006/relationships" xmlns:p="http://schemas.openxmlformats.org/presentationml/2006/main">
+  <p:cSld>
+    <p:spTree>
+      <p:nvGrpSpPr>
+        <p:cNvPr id="1" name=""/>
+        <p:cNvGrpSpPr/>
+        <p:nvPr/>
+      </p:nvGrpSpPr>
+      <p:grpSpPr>
+        <a:xfrm>
+          <a:off x="0" y="0"/>
+          <a:ext cx="0" cy="0"/>
+          <a:chOff x="0" y="0"/>
+          <a:chExt cx="0" cy="0"/>
+        </a:xfrm>
+      </p:grpSpPr>
+      <p:sp>
+        <p:nvSpPr>
+          <p:cNvPr id="2" name="Slide Image Placeholder 1"/>
+          <p:cNvSpPr>
+            <a:spLocks noGrp="1" noRot="1" noChangeAspect="1"/>
+          </p:cNvSpPr>
+          <p:nvPr>
+            <p:ph type="sldImg"/>
+          </p:nvPr>
+        </p:nvSpPr>
+        <p:spPr/>
+      </p:sp>
+      <p:sp>
+        <p:nvSpPr>
+          <p:cNvPr id="3" name="Notes Placeholder 2"/>
+          <p:cNvSpPr>
+            <a:spLocks noGrp="1"/>
+          </p:cNvSpPr>
+          <p:nvPr>
+            <p:ph type="body" idx="1"/>
+          </p:nvPr>
+        </p:nvSpPr>
+        <p:spPr/>
+        <p:txBody>
+          <a:bodyPr>
+            <a:normAutofit/>
+          </a:bodyPr>
+          <a:lstStyle/>
+          <a:p>
+            <a:endParaRPr lang="en-IN" dirty="0"/>
+          </a:p>
+        </p:txBody>
+      </p:sp>
+      <p:sp>
+        <p:nvSpPr>
+          <p:cNvPr id="4" name="Slide Number Placeholder 3"/>
+          <p:cNvSpPr>
+            <a:spLocks noGrp="1"/>
+          </p:cNvSpPr>
+          <p:nvPr>
+            <p:ph type="sldNum" sz="quarter" idx="10"/>
+          </p:nvPr>
+        </p:nvSpPr>
+        <p:spPr/>
+        <p:txBody>
+          <a:bodyPr/>
+          <a:lstStyle/>
+          <a:p>
+            <a:fld id="{868E6EDD-878B-443C-B0D5-5F9E5DAAE19E}" type="slidenum">
+              <a:rPr lang="en-IN" smtClean="0"/>
+              <a:pPr/>
+              <a:t>13</a:t>
             </a:fld>
             <a:endParaRPr lang="en-IN"/>
           </a:p>
@@ -605,6 +857,17 @@
           </a:bodyPr>
           <a:lstStyle/>
           <a:p>
+            <a:r>
+              <a:rPr lang="en-IN" sz="1200" b="0" i="0" kern="1200" dirty="0" smtClean="0">
+                <a:solidFill>
+                  <a:schemeClr val="tx1"/>
+                </a:solidFill>
+                <a:latin typeface="+mn-lt"/>
+                <a:ea typeface="+mn-ea"/>
+                <a:cs typeface="+mn-cs"/>
+              </a:rPr>
+              <a:t>NASA provides data for various things, from weather and climate to solar flares and wildfire.</a:t>
+            </a:r>
             <a:endParaRPr lang="en-IN" dirty="0"/>
           </a:p>
         </p:txBody>
@@ -626,6 +889,7 @@
           <a:p>
             <a:fld id="{868E6EDD-878B-443C-B0D5-5F9E5DAAE19E}" type="slidenum">
               <a:rPr lang="en-IN" smtClean="0"/>
+              <a:pPr/>
               <a:t>3</a:t>
             </a:fld>
             <a:endParaRPr lang="en-IN"/>
@@ -707,6 +971,7 @@
           <a:p>
             <a:fld id="{868E6EDD-878B-443C-B0D5-5F9E5DAAE19E}" type="slidenum">
               <a:rPr lang="en-IN" smtClean="0"/>
+              <a:pPr/>
               <a:t>4</a:t>
             </a:fld>
             <a:endParaRPr lang="en-IN"/>
@@ -767,42 +1032,7 @@
           </a:bodyPr>
           <a:lstStyle/>
           <a:p>
-            <a:r>
-              <a:rPr lang="en-IN" dirty="0" smtClean="0"/>
-              <a:t>FIRMS</a:t>
-            </a:r>
-            <a:r>
-              <a:rPr lang="en-IN" baseline="0" dirty="0" smtClean="0"/>
-              <a:t> web service updates data every one hour. By default it gives past 1 day data. We can query for any time range. But of the time range is older than 7 days, we get archived which takes little more time to process.</a:t>
-            </a:r>
-          </a:p>
-          <a:p>
-            <a:r>
-              <a:rPr lang="en-IN" dirty="0" smtClean="0"/>
-              <a:t>These are </a:t>
-            </a:r>
-            <a:r>
-              <a:rPr lang="en-IN" dirty="0" err="1" smtClean="0"/>
-              <a:t>params</a:t>
-            </a:r>
-            <a:r>
-              <a:rPr lang="en-IN" baseline="0" dirty="0" smtClean="0"/>
-              <a:t> given by the API:</a:t>
-            </a:r>
-          </a:p>
-          <a:p>
-            <a:r>
-              <a:rPr lang="en-IN" baseline="0" dirty="0" smtClean="0"/>
-              <a:t>Generally it provides excel data for each region. It shows the temperature based on lat and </a:t>
-            </a:r>
-            <a:r>
-              <a:rPr lang="en-IN" baseline="0" dirty="0" err="1" smtClean="0"/>
-              <a:t>lon</a:t>
-            </a:r>
-            <a:r>
-              <a:rPr lang="en-IN" baseline="0" dirty="0" smtClean="0"/>
-              <a:t> ( one pixel point ) which is 1km range of data. </a:t>
-            </a:r>
+            <a:endParaRPr lang="en-IN" dirty="0"/>
           </a:p>
         </p:txBody>
       </p:sp>
@@ -823,6 +1053,7 @@
           <a:p>
             <a:fld id="{868E6EDD-878B-443C-B0D5-5F9E5DAAE19E}" type="slidenum">
               <a:rPr lang="en-IN" smtClean="0"/>
+              <a:pPr/>
               <a:t>5</a:t>
             </a:fld>
             <a:endParaRPr lang="en-IN"/>
@@ -883,23 +1114,7 @@
           </a:bodyPr>
           <a:lstStyle/>
           <a:p>
-            <a:r>
-              <a:rPr lang="en-IN" dirty="0" smtClean="0"/>
-              <a:t>These are the 3 things which we want to provide for the user.</a:t>
-            </a:r>
-          </a:p>
-          <a:p>
-            <a:pPr marL="228600" indent="-228600">
-              <a:buAutoNum type="arabicParenR"/>
-            </a:pPr>
-            <a:r>
-              <a:rPr lang="en-IN" dirty="0" smtClean="0"/>
-              <a:t>Showing heat maps. Will provide user</a:t>
-            </a:r>
-            <a:r>
-              <a:rPr lang="en-IN" baseline="0" dirty="0" smtClean="0"/>
-              <a:t> options to select the time period and user can select one point </a:t>
-            </a:r>
+            <a:endParaRPr lang="en-IN" dirty="0"/>
           </a:p>
         </p:txBody>
       </p:sp>
@@ -920,6 +1135,7 @@
           <a:p>
             <a:fld id="{868E6EDD-878B-443C-B0D5-5F9E5DAAE19E}" type="slidenum">
               <a:rPr lang="en-IN" smtClean="0"/>
+              <a:pPr/>
               <a:t>6</a:t>
             </a:fld>
             <a:endParaRPr lang="en-IN"/>
@@ -981,22 +1197,40 @@
           <a:lstStyle/>
           <a:p>
             <a:r>
+              <a:rPr lang="en-IN" dirty="0" smtClean="0"/>
+              <a:t>FIRMS</a:t>
+            </a:r>
+            <a:r>
               <a:rPr lang="en-IN" baseline="0" dirty="0" smtClean="0"/>
-              <a:t>Shows red </a:t>
+              <a:t> web service updates data every one hour. By default it gives past 1 day data. We can query for any time range. But of the time range is older than 7 days, we get archived which takes little more time to process.</a:t>
+            </a:r>
+          </a:p>
+          <a:p>
+            <a:r>
+              <a:rPr lang="en-IN" dirty="0" smtClean="0"/>
+              <a:t>These are </a:t>
+            </a:r>
+            <a:r>
+              <a:rPr lang="en-IN" dirty="0" err="1" smtClean="0"/>
+              <a:t>params</a:t>
+            </a:r>
+            <a:r>
+              <a:rPr lang="en-IN" baseline="0" dirty="0" smtClean="0"/>
+              <a:t> given by the API:</a:t>
+            </a:r>
+          </a:p>
+          <a:p>
+            <a:r>
+              <a:rPr lang="en-IN" baseline="0" dirty="0" smtClean="0"/>
+              <a:t>Generally it provides excel data for each region. It shows the temperature based on lat and </a:t>
             </a:r>
             <a:r>
               <a:rPr lang="en-IN" baseline="0" dirty="0" err="1" smtClean="0"/>
-              <a:t>coloring</a:t>
+              <a:t>lon</a:t>
             </a:r>
             <a:r>
               <a:rPr lang="en-IN" baseline="0" dirty="0" smtClean="0"/>
-              <a:t> based on the fire intensity</a:t>
-            </a:r>
-          </a:p>
-          <a:p>
-            <a:r>
-              <a:rPr lang="en-IN" baseline="0" dirty="0" smtClean="0"/>
-              <a:t>It also shows details of the temp and scale of intensity based on the user hovered point or a region </a:t>
+              <a:t> ( one pixel point ) which is 1km range of data. </a:t>
             </a:r>
           </a:p>
         </p:txBody>
@@ -1018,6 +1252,7 @@
           <a:p>
             <a:fld id="{868E6EDD-878B-443C-B0D5-5F9E5DAAE19E}" type="slidenum">
               <a:rPr lang="en-IN" smtClean="0"/>
+              <a:pPr/>
               <a:t>7</a:t>
             </a:fld>
             <a:endParaRPr lang="en-IN"/>
@@ -1078,7 +1313,23 @@
           </a:bodyPr>
           <a:lstStyle/>
           <a:p>
-            <a:endParaRPr lang="en-IN" dirty="0"/>
+            <a:r>
+              <a:rPr lang="en-IN" dirty="0" smtClean="0"/>
+              <a:t>These are the 3 things which we want to provide for the user.</a:t>
+            </a:r>
+          </a:p>
+          <a:p>
+            <a:pPr marL="228600" indent="-228600">
+              <a:buAutoNum type="arabicParenR"/>
+            </a:pPr>
+            <a:r>
+              <a:rPr lang="en-IN" dirty="0" smtClean="0"/>
+              <a:t>Showing heat maps. Will provide user</a:t>
+            </a:r>
+            <a:r>
+              <a:rPr lang="en-IN" baseline="0" dirty="0" smtClean="0"/>
+              <a:t> options to select the time period and user can select one point </a:t>
+            </a:r>
           </a:p>
         </p:txBody>
       </p:sp>
@@ -1099,6 +1350,7 @@
           <a:p>
             <a:fld id="{868E6EDD-878B-443C-B0D5-5F9E5DAAE19E}" type="slidenum">
               <a:rPr lang="en-IN" smtClean="0"/>
+              <a:pPr/>
               <a:t>8</a:t>
             </a:fld>
             <a:endParaRPr lang="en-IN"/>
@@ -1159,7 +1411,24 @@
           </a:bodyPr>
           <a:lstStyle/>
           <a:p>
-            <a:endParaRPr lang="en-IN" dirty="0"/>
+            <a:r>
+              <a:rPr lang="en-IN" baseline="0" dirty="0" smtClean="0"/>
+              <a:t>Shows red </a:t>
+            </a:r>
+            <a:r>
+              <a:rPr lang="en-IN" baseline="0" dirty="0" err="1" smtClean="0"/>
+              <a:t>coloring</a:t>
+            </a:r>
+            <a:r>
+              <a:rPr lang="en-IN" baseline="0" dirty="0" smtClean="0"/>
+              <a:t> based on the fire intensity</a:t>
+            </a:r>
+          </a:p>
+          <a:p>
+            <a:r>
+              <a:rPr lang="en-IN" baseline="0" dirty="0" smtClean="0"/>
+              <a:t>It also shows details of the temp and scale of intensity based on the user hovered point or a region </a:t>
+            </a:r>
           </a:p>
         </p:txBody>
       </p:sp>
@@ -1180,6 +1449,7 @@
           <a:p>
             <a:fld id="{868E6EDD-878B-443C-B0D5-5F9E5DAAE19E}" type="slidenum">
               <a:rPr lang="en-IN" smtClean="0"/>
+              <a:pPr/>
               <a:t>9</a:t>
             </a:fld>
             <a:endParaRPr lang="en-IN"/>
@@ -1261,6 +1531,7 @@
           <a:p>
             <a:fld id="{868E6EDD-878B-443C-B0D5-5F9E5DAAE19E}" type="slidenum">
               <a:rPr lang="en-IN" smtClean="0"/>
+              <a:pPr/>
               <a:t>10</a:t>
             </a:fld>
             <a:endParaRPr lang="en-IN"/>
@@ -1456,7 +1727,8 @@
           <a:p>
             <a:fld id="{25DDA433-6589-46AD-8D05-9E1E5CD5C5AC}" type="datetimeFigureOut">
               <a:rPr lang="en-US" smtClean="0"/>
-              <a:t>2/28/2019</a:t>
+              <a:pPr/>
+              <a:t>3/1/2019</a:t>
             </a:fld>
             <a:endParaRPr lang="en-IN"/>
           </a:p>
@@ -1498,6 +1770,7 @@
           <a:p>
             <a:fld id="{7F05DEB8-4B41-4D06-835D-7AE854801CFC}" type="slidenum">
               <a:rPr lang="en-IN" smtClean="0"/>
+              <a:pPr/>
               <a:t>‹#›</a:t>
             </a:fld>
             <a:endParaRPr lang="en-IN"/>
@@ -1507,7 +1780,7 @@
     </p:spTree>
     <p:extLst>
       <p:ext uri="{BB962C8B-B14F-4D97-AF65-F5344CB8AC3E}">
-        <p14:creationId xmlns:p14="http://schemas.microsoft.com/office/powerpoint/2010/main" xmlns="" val="3349243496"/>
+        <p14:creationId xmlns="" xmlns:p14="http://schemas.microsoft.com/office/powerpoint/2010/main" val="3349243496"/>
       </p:ext>
     </p:extLst>
   </p:cSld>
@@ -1626,7 +1899,8 @@
           <a:p>
             <a:fld id="{25DDA433-6589-46AD-8D05-9E1E5CD5C5AC}" type="datetimeFigureOut">
               <a:rPr lang="en-US" smtClean="0"/>
-              <a:t>2/28/2019</a:t>
+              <a:pPr/>
+              <a:t>3/1/2019</a:t>
             </a:fld>
             <a:endParaRPr lang="en-IN"/>
           </a:p>
@@ -1668,6 +1942,7 @@
           <a:p>
             <a:fld id="{7F05DEB8-4B41-4D06-835D-7AE854801CFC}" type="slidenum">
               <a:rPr lang="en-IN" smtClean="0"/>
+              <a:pPr/>
               <a:t>‹#›</a:t>
             </a:fld>
             <a:endParaRPr lang="en-IN"/>
@@ -1677,7 +1952,7 @@
     </p:spTree>
     <p:extLst>
       <p:ext uri="{BB962C8B-B14F-4D97-AF65-F5344CB8AC3E}">
-        <p14:creationId xmlns:p14="http://schemas.microsoft.com/office/powerpoint/2010/main" xmlns="" val="2448751325"/>
+        <p14:creationId xmlns="" xmlns:p14="http://schemas.microsoft.com/office/powerpoint/2010/main" val="2448751325"/>
       </p:ext>
     </p:extLst>
   </p:cSld>
@@ -1806,7 +2081,8 @@
           <a:p>
             <a:fld id="{25DDA433-6589-46AD-8D05-9E1E5CD5C5AC}" type="datetimeFigureOut">
               <a:rPr lang="en-US" smtClean="0"/>
-              <a:t>2/28/2019</a:t>
+              <a:pPr/>
+              <a:t>3/1/2019</a:t>
             </a:fld>
             <a:endParaRPr lang="en-IN"/>
           </a:p>
@@ -1848,6 +2124,7 @@
           <a:p>
             <a:fld id="{7F05DEB8-4B41-4D06-835D-7AE854801CFC}" type="slidenum">
               <a:rPr lang="en-IN" smtClean="0"/>
+              <a:pPr/>
               <a:t>‹#›</a:t>
             </a:fld>
             <a:endParaRPr lang="en-IN"/>
@@ -1857,7 +2134,7 @@
     </p:spTree>
     <p:extLst>
       <p:ext uri="{BB962C8B-B14F-4D97-AF65-F5344CB8AC3E}">
-        <p14:creationId xmlns:p14="http://schemas.microsoft.com/office/powerpoint/2010/main" xmlns="" val="555771467"/>
+        <p14:creationId xmlns="" xmlns:p14="http://schemas.microsoft.com/office/powerpoint/2010/main" val="555771467"/>
       </p:ext>
     </p:extLst>
   </p:cSld>
@@ -1924,7 +2201,8 @@
           <a:p>
             <a:fld id="{25DDA433-6589-46AD-8D05-9E1E5CD5C5AC}" type="datetimeFigureOut">
               <a:rPr lang="en-US" smtClean="0"/>
-              <a:t>2/28/2019</a:t>
+              <a:pPr/>
+              <a:t>3/1/2019</a:t>
             </a:fld>
             <a:endParaRPr lang="en-IN"/>
           </a:p>
@@ -1966,6 +2244,7 @@
           <a:p>
             <a:fld id="{7F05DEB8-4B41-4D06-835D-7AE854801CFC}" type="slidenum">
               <a:rPr lang="en-IN" smtClean="0"/>
+              <a:pPr/>
               <a:t>‹#›</a:t>
             </a:fld>
             <a:endParaRPr lang="en-IN"/>
@@ -1975,7 +2254,7 @@
     </p:spTree>
     <p:extLst>
       <p:ext uri="{BB962C8B-B14F-4D97-AF65-F5344CB8AC3E}">
-        <p14:creationId xmlns:p14="http://schemas.microsoft.com/office/powerpoint/2010/main" xmlns="" val="334226599"/>
+        <p14:creationId xmlns="" xmlns:p14="http://schemas.microsoft.com/office/powerpoint/2010/main" val="334226599"/>
       </p:ext>
     </p:extLst>
   </p:cSld>
@@ -2042,7 +2321,8 @@
           <a:p>
             <a:fld id="{25DDA433-6589-46AD-8D05-9E1E5CD5C5AC}" type="datetimeFigureOut">
               <a:rPr lang="en-US" smtClean="0"/>
-              <a:t>2/28/2019</a:t>
+              <a:pPr/>
+              <a:t>3/1/2019</a:t>
             </a:fld>
             <a:endParaRPr lang="en-IN"/>
           </a:p>
@@ -2084,6 +2364,7 @@
           <a:p>
             <a:fld id="{7F05DEB8-4B41-4D06-835D-7AE854801CFC}" type="slidenum">
               <a:rPr lang="en-IN" smtClean="0"/>
+              <a:pPr/>
               <a:t>‹#›</a:t>
             </a:fld>
             <a:endParaRPr lang="en-IN"/>
@@ -2093,7 +2374,7 @@
     </p:spTree>
     <p:extLst>
       <p:ext uri="{BB962C8B-B14F-4D97-AF65-F5344CB8AC3E}">
-        <p14:creationId xmlns:p14="http://schemas.microsoft.com/office/powerpoint/2010/main" xmlns="" val="2569279595"/>
+        <p14:creationId xmlns="" xmlns:p14="http://schemas.microsoft.com/office/powerpoint/2010/main" val="2569279595"/>
       </p:ext>
     </p:extLst>
   </p:cSld>
@@ -2285,7 +2566,7 @@
             <a:fld id="{DD2A2399-3C9C-6B45-A20A-3D6766199C84}" type="datetimeFigureOut">
               <a:rPr lang="en-US" smtClean="0"/>
               <a:pPr/>
-              <a:t>2/28/2019</a:t>
+              <a:t>3/1/2019</a:t>
             </a:fld>
             <a:endParaRPr lang="en-US"/>
           </a:p>
@@ -2337,7 +2618,7 @@
     </p:spTree>
     <p:extLst>
       <p:ext uri="{BB962C8B-B14F-4D97-AF65-F5344CB8AC3E}">
-        <p14:creationId xmlns:p14="http://schemas.microsoft.com/office/powerpoint/2010/main" xmlns="" val="3848797844"/>
+        <p14:creationId xmlns="" xmlns:p14="http://schemas.microsoft.com/office/powerpoint/2010/main" val="3848797844"/>
       </p:ext>
     </p:extLst>
   </p:cSld>
@@ -2457,7 +2738,7 @@
             <a:fld id="{DD2A2399-3C9C-6B45-A20A-3D6766199C84}" type="datetimeFigureOut">
               <a:rPr lang="en-US" smtClean="0"/>
               <a:pPr/>
-              <a:t>2/28/2019</a:t>
+              <a:t>3/1/2019</a:t>
             </a:fld>
             <a:endParaRPr lang="en-US"/>
           </a:p>
@@ -2509,7 +2790,7 @@
     </p:spTree>
     <p:extLst>
       <p:ext uri="{BB962C8B-B14F-4D97-AF65-F5344CB8AC3E}">
-        <p14:creationId xmlns:p14="http://schemas.microsoft.com/office/powerpoint/2010/main" xmlns="" val="3540261912"/>
+        <p14:creationId xmlns="" xmlns:p14="http://schemas.microsoft.com/office/powerpoint/2010/main" val="3540261912"/>
       </p:ext>
     </p:extLst>
   </p:cSld>
@@ -2705,7 +2986,7 @@
             <a:fld id="{DD2A2399-3C9C-6B45-A20A-3D6766199C84}" type="datetimeFigureOut">
               <a:rPr lang="en-US" smtClean="0"/>
               <a:pPr/>
-              <a:t>2/28/2019</a:t>
+              <a:t>3/1/2019</a:t>
             </a:fld>
             <a:endParaRPr lang="en-US"/>
           </a:p>
@@ -2757,7 +3038,7 @@
     </p:spTree>
     <p:extLst>
       <p:ext uri="{BB962C8B-B14F-4D97-AF65-F5344CB8AC3E}">
-        <p14:creationId xmlns:p14="http://schemas.microsoft.com/office/powerpoint/2010/main" xmlns="" val="269919408"/>
+        <p14:creationId xmlns="" xmlns:p14="http://schemas.microsoft.com/office/powerpoint/2010/main" val="269919408"/>
       </p:ext>
     </p:extLst>
   </p:cSld>
@@ -2995,7 +3276,7 @@
             <a:fld id="{DD2A2399-3C9C-6B45-A20A-3D6766199C84}" type="datetimeFigureOut">
               <a:rPr lang="en-US" smtClean="0"/>
               <a:pPr/>
-              <a:t>2/28/2019</a:t>
+              <a:t>3/1/2019</a:t>
             </a:fld>
             <a:endParaRPr lang="en-US"/>
           </a:p>
@@ -3047,7 +3328,7 @@
     </p:spTree>
     <p:extLst>
       <p:ext uri="{BB962C8B-B14F-4D97-AF65-F5344CB8AC3E}">
-        <p14:creationId xmlns:p14="http://schemas.microsoft.com/office/powerpoint/2010/main" xmlns="" val="2948329173"/>
+        <p14:creationId xmlns="" xmlns:p14="http://schemas.microsoft.com/office/powerpoint/2010/main" val="2948329173"/>
       </p:ext>
     </p:extLst>
   </p:cSld>
@@ -3419,7 +3700,7 @@
             <a:fld id="{DD2A2399-3C9C-6B45-A20A-3D6766199C84}" type="datetimeFigureOut">
               <a:rPr lang="en-US" smtClean="0"/>
               <a:pPr/>
-              <a:t>2/28/2019</a:t>
+              <a:t>3/1/2019</a:t>
             </a:fld>
             <a:endParaRPr lang="en-US"/>
           </a:p>
@@ -3471,7 +3752,7 @@
     </p:spTree>
     <p:extLst>
       <p:ext uri="{BB962C8B-B14F-4D97-AF65-F5344CB8AC3E}">
-        <p14:creationId xmlns:p14="http://schemas.microsoft.com/office/powerpoint/2010/main" xmlns="" val="1981233940"/>
+        <p14:creationId xmlns="" xmlns:p14="http://schemas.microsoft.com/office/powerpoint/2010/main" val="1981233940"/>
       </p:ext>
     </p:extLst>
   </p:cSld>
@@ -3539,7 +3820,7 @@
             <a:fld id="{DD2A2399-3C9C-6B45-A20A-3D6766199C84}" type="datetimeFigureOut">
               <a:rPr lang="en-US" smtClean="0"/>
               <a:pPr/>
-              <a:t>2/28/2019</a:t>
+              <a:t>3/1/2019</a:t>
             </a:fld>
             <a:endParaRPr lang="en-US"/>
           </a:p>
@@ -3591,7 +3872,7 @@
     </p:spTree>
     <p:extLst>
       <p:ext uri="{BB962C8B-B14F-4D97-AF65-F5344CB8AC3E}">
-        <p14:creationId xmlns:p14="http://schemas.microsoft.com/office/powerpoint/2010/main" xmlns="" val="1945381682"/>
+        <p14:creationId xmlns="" xmlns:p14="http://schemas.microsoft.com/office/powerpoint/2010/main" val="1945381682"/>
       </p:ext>
     </p:extLst>
   </p:cSld>
@@ -3710,7 +3991,8 @@
           <a:p>
             <a:fld id="{25DDA433-6589-46AD-8D05-9E1E5CD5C5AC}" type="datetimeFigureOut">
               <a:rPr lang="en-US" smtClean="0"/>
-              <a:t>2/28/2019</a:t>
+              <a:pPr/>
+              <a:t>3/1/2019</a:t>
             </a:fld>
             <a:endParaRPr lang="en-IN"/>
           </a:p>
@@ -3752,6 +4034,7 @@
           <a:p>
             <a:fld id="{7F05DEB8-4B41-4D06-835D-7AE854801CFC}" type="slidenum">
               <a:rPr lang="en-IN" smtClean="0"/>
+              <a:pPr/>
               <a:t>‹#›</a:t>
             </a:fld>
             <a:endParaRPr lang="en-IN"/>
@@ -3761,7 +4044,7 @@
     </p:spTree>
     <p:extLst>
       <p:ext uri="{BB962C8B-B14F-4D97-AF65-F5344CB8AC3E}">
-        <p14:creationId xmlns:p14="http://schemas.microsoft.com/office/powerpoint/2010/main" xmlns="" val="2833533934"/>
+        <p14:creationId xmlns="" xmlns:p14="http://schemas.microsoft.com/office/powerpoint/2010/main" val="2833533934"/>
       </p:ext>
     </p:extLst>
   </p:cSld>
@@ -3806,7 +4089,7 @@
             <a:fld id="{DD2A2399-3C9C-6B45-A20A-3D6766199C84}" type="datetimeFigureOut">
               <a:rPr lang="en-US" smtClean="0"/>
               <a:pPr/>
-              <a:t>2/28/2019</a:t>
+              <a:t>3/1/2019</a:t>
             </a:fld>
             <a:endParaRPr lang="en-US"/>
           </a:p>
@@ -3858,7 +4141,7 @@
     </p:spTree>
     <p:extLst>
       <p:ext uri="{BB962C8B-B14F-4D97-AF65-F5344CB8AC3E}">
-        <p14:creationId xmlns:p14="http://schemas.microsoft.com/office/powerpoint/2010/main" xmlns="" val="1345171184"/>
+        <p14:creationId xmlns="" xmlns:p14="http://schemas.microsoft.com/office/powerpoint/2010/main" val="1345171184"/>
       </p:ext>
     </p:extLst>
   </p:cSld>
@@ -4085,7 +4368,7 @@
             <a:fld id="{DD2A2399-3C9C-6B45-A20A-3D6766199C84}" type="datetimeFigureOut">
               <a:rPr lang="en-US" smtClean="0"/>
               <a:pPr/>
-              <a:t>2/28/2019</a:t>
+              <a:t>3/1/2019</a:t>
             </a:fld>
             <a:endParaRPr lang="en-US"/>
           </a:p>
@@ -4137,7 +4420,7 @@
     </p:spTree>
     <p:extLst>
       <p:ext uri="{BB962C8B-B14F-4D97-AF65-F5344CB8AC3E}">
-        <p14:creationId xmlns:p14="http://schemas.microsoft.com/office/powerpoint/2010/main" xmlns="" val="2443860245"/>
+        <p14:creationId xmlns="" xmlns:p14="http://schemas.microsoft.com/office/powerpoint/2010/main" val="2443860245"/>
       </p:ext>
     </p:extLst>
   </p:cSld>
@@ -4344,7 +4627,7 @@
             <a:fld id="{DD2A2399-3C9C-6B45-A20A-3D6766199C84}" type="datetimeFigureOut">
               <a:rPr lang="en-US" smtClean="0"/>
               <a:pPr/>
-              <a:t>2/28/2019</a:t>
+              <a:t>3/1/2019</a:t>
             </a:fld>
             <a:endParaRPr lang="en-US"/>
           </a:p>
@@ -4396,7 +4679,7 @@
     </p:spTree>
     <p:extLst>
       <p:ext uri="{BB962C8B-B14F-4D97-AF65-F5344CB8AC3E}">
-        <p14:creationId xmlns:p14="http://schemas.microsoft.com/office/powerpoint/2010/main" xmlns="" val="3351373231"/>
+        <p14:creationId xmlns="" xmlns:p14="http://schemas.microsoft.com/office/powerpoint/2010/main" val="3351373231"/>
       </p:ext>
     </p:extLst>
   </p:cSld>
@@ -4516,7 +4799,7 @@
             <a:fld id="{DD2A2399-3C9C-6B45-A20A-3D6766199C84}" type="datetimeFigureOut">
               <a:rPr lang="en-US" smtClean="0"/>
               <a:pPr/>
-              <a:t>2/28/2019</a:t>
+              <a:t>3/1/2019</a:t>
             </a:fld>
             <a:endParaRPr lang="en-US"/>
           </a:p>
@@ -4568,7 +4851,7 @@
     </p:spTree>
     <p:extLst>
       <p:ext uri="{BB962C8B-B14F-4D97-AF65-F5344CB8AC3E}">
-        <p14:creationId xmlns:p14="http://schemas.microsoft.com/office/powerpoint/2010/main" xmlns="" val="3132454376"/>
+        <p14:creationId xmlns="" xmlns:p14="http://schemas.microsoft.com/office/powerpoint/2010/main" val="3132454376"/>
       </p:ext>
     </p:extLst>
   </p:cSld>
@@ -4698,7 +4981,7 @@
             <a:fld id="{DD2A2399-3C9C-6B45-A20A-3D6766199C84}" type="datetimeFigureOut">
               <a:rPr lang="en-US" smtClean="0"/>
               <a:pPr/>
-              <a:t>2/28/2019</a:t>
+              <a:t>3/1/2019</a:t>
             </a:fld>
             <a:endParaRPr lang="en-US"/>
           </a:p>
@@ -4750,7 +5033,7 @@
     </p:spTree>
     <p:extLst>
       <p:ext uri="{BB962C8B-B14F-4D97-AF65-F5344CB8AC3E}">
-        <p14:creationId xmlns:p14="http://schemas.microsoft.com/office/powerpoint/2010/main" xmlns="" val="1862231194"/>
+        <p14:creationId xmlns="" xmlns:p14="http://schemas.microsoft.com/office/powerpoint/2010/main" val="1862231194"/>
       </p:ext>
     </p:extLst>
   </p:cSld>
@@ -4945,7 +5228,8 @@
           <a:p>
             <a:fld id="{25DDA433-6589-46AD-8D05-9E1E5CD5C5AC}" type="datetimeFigureOut">
               <a:rPr lang="en-US" smtClean="0"/>
-              <a:t>2/28/2019</a:t>
+              <a:pPr/>
+              <a:t>3/1/2019</a:t>
             </a:fld>
             <a:endParaRPr lang="en-IN"/>
           </a:p>
@@ -4987,6 +5271,7 @@
           <a:p>
             <a:fld id="{7F05DEB8-4B41-4D06-835D-7AE854801CFC}" type="slidenum">
               <a:rPr lang="en-IN" smtClean="0"/>
+              <a:pPr/>
               <a:t>‹#›</a:t>
             </a:fld>
             <a:endParaRPr lang="en-IN"/>
@@ -4996,7 +5281,7 @@
     </p:spTree>
     <p:extLst>
       <p:ext uri="{BB962C8B-B14F-4D97-AF65-F5344CB8AC3E}">
-        <p14:creationId xmlns:p14="http://schemas.microsoft.com/office/powerpoint/2010/main" xmlns="" val="3164561242"/>
+        <p14:creationId xmlns="" xmlns:p14="http://schemas.microsoft.com/office/powerpoint/2010/main" val="3164561242"/>
       </p:ext>
     </p:extLst>
   </p:cSld>
@@ -5233,7 +5518,8 @@
           <a:p>
             <a:fld id="{25DDA433-6589-46AD-8D05-9E1E5CD5C5AC}" type="datetimeFigureOut">
               <a:rPr lang="en-US" smtClean="0"/>
-              <a:t>2/28/2019</a:t>
+              <a:pPr/>
+              <a:t>3/1/2019</a:t>
             </a:fld>
             <a:endParaRPr lang="en-IN"/>
           </a:p>
@@ -5275,6 +5561,7 @@
           <a:p>
             <a:fld id="{7F05DEB8-4B41-4D06-835D-7AE854801CFC}" type="slidenum">
               <a:rPr lang="en-IN" smtClean="0"/>
+              <a:pPr/>
               <a:t>‹#›</a:t>
             </a:fld>
             <a:endParaRPr lang="en-IN"/>
@@ -5284,7 +5571,7 @@
     </p:spTree>
     <p:extLst>
       <p:ext uri="{BB962C8B-B14F-4D97-AF65-F5344CB8AC3E}">
-        <p14:creationId xmlns:p14="http://schemas.microsoft.com/office/powerpoint/2010/main" xmlns="" val="1080863291"/>
+        <p14:creationId xmlns="" xmlns:p14="http://schemas.microsoft.com/office/powerpoint/2010/main" val="1080863291"/>
       </p:ext>
     </p:extLst>
   </p:cSld>
@@ -5655,7 +5942,8 @@
           <a:p>
             <a:fld id="{25DDA433-6589-46AD-8D05-9E1E5CD5C5AC}" type="datetimeFigureOut">
               <a:rPr lang="en-US" smtClean="0"/>
-              <a:t>2/28/2019</a:t>
+              <a:pPr/>
+              <a:t>3/1/2019</a:t>
             </a:fld>
             <a:endParaRPr lang="en-IN"/>
           </a:p>
@@ -5697,6 +5985,7 @@
           <a:p>
             <a:fld id="{7F05DEB8-4B41-4D06-835D-7AE854801CFC}" type="slidenum">
               <a:rPr lang="en-IN" smtClean="0"/>
+              <a:pPr/>
               <a:t>‹#›</a:t>
             </a:fld>
             <a:endParaRPr lang="en-IN"/>
@@ -5706,7 +5995,7 @@
     </p:spTree>
     <p:extLst>
       <p:ext uri="{BB962C8B-B14F-4D97-AF65-F5344CB8AC3E}">
-        <p14:creationId xmlns:p14="http://schemas.microsoft.com/office/powerpoint/2010/main" xmlns="" val="174218213"/>
+        <p14:creationId xmlns="" xmlns:p14="http://schemas.microsoft.com/office/powerpoint/2010/main" val="174218213"/>
       </p:ext>
     </p:extLst>
   </p:cSld>
@@ -5773,7 +6062,8 @@
           <a:p>
             <a:fld id="{25DDA433-6589-46AD-8D05-9E1E5CD5C5AC}" type="datetimeFigureOut">
               <a:rPr lang="en-US" smtClean="0"/>
-              <a:t>2/28/2019</a:t>
+              <a:pPr/>
+              <a:t>3/1/2019</a:t>
             </a:fld>
             <a:endParaRPr lang="en-IN"/>
           </a:p>
@@ -5815,6 +6105,7 @@
           <a:p>
             <a:fld id="{7F05DEB8-4B41-4D06-835D-7AE854801CFC}" type="slidenum">
               <a:rPr lang="en-IN" smtClean="0"/>
+              <a:pPr/>
               <a:t>‹#›</a:t>
             </a:fld>
             <a:endParaRPr lang="en-IN"/>
@@ -5824,7 +6115,7 @@
     </p:spTree>
     <p:extLst>
       <p:ext uri="{BB962C8B-B14F-4D97-AF65-F5344CB8AC3E}">
-        <p14:creationId xmlns:p14="http://schemas.microsoft.com/office/powerpoint/2010/main" xmlns="" val="199654813"/>
+        <p14:creationId xmlns="" xmlns:p14="http://schemas.microsoft.com/office/powerpoint/2010/main" val="199654813"/>
       </p:ext>
     </p:extLst>
   </p:cSld>
@@ -5868,7 +6159,8 @@
           <a:p>
             <a:fld id="{25DDA433-6589-46AD-8D05-9E1E5CD5C5AC}" type="datetimeFigureOut">
               <a:rPr lang="en-US" smtClean="0"/>
-              <a:t>2/28/2019</a:t>
+              <a:pPr/>
+              <a:t>3/1/2019</a:t>
             </a:fld>
             <a:endParaRPr lang="en-IN"/>
           </a:p>
@@ -5910,6 +6202,7 @@
           <a:p>
             <a:fld id="{7F05DEB8-4B41-4D06-835D-7AE854801CFC}" type="slidenum">
               <a:rPr lang="en-IN" smtClean="0"/>
+              <a:pPr/>
               <a:t>‹#›</a:t>
             </a:fld>
             <a:endParaRPr lang="en-IN"/>
@@ -5919,7 +6212,7 @@
     </p:spTree>
     <p:extLst>
       <p:ext uri="{BB962C8B-B14F-4D97-AF65-F5344CB8AC3E}">
-        <p14:creationId xmlns:p14="http://schemas.microsoft.com/office/powerpoint/2010/main" xmlns="" val="1150096181"/>
+        <p14:creationId xmlns="" xmlns:p14="http://schemas.microsoft.com/office/powerpoint/2010/main" val="1150096181"/>
       </p:ext>
     </p:extLst>
   </p:cSld>
@@ -6145,7 +6438,8 @@
           <a:p>
             <a:fld id="{25DDA433-6589-46AD-8D05-9E1E5CD5C5AC}" type="datetimeFigureOut">
               <a:rPr lang="en-US" smtClean="0"/>
-              <a:t>2/28/2019</a:t>
+              <a:pPr/>
+              <a:t>3/1/2019</a:t>
             </a:fld>
             <a:endParaRPr lang="en-IN"/>
           </a:p>
@@ -6187,6 +6481,7 @@
           <a:p>
             <a:fld id="{7F05DEB8-4B41-4D06-835D-7AE854801CFC}" type="slidenum">
               <a:rPr lang="en-IN" smtClean="0"/>
+              <a:pPr/>
               <a:t>‹#›</a:t>
             </a:fld>
             <a:endParaRPr lang="en-IN"/>
@@ -6196,7 +6491,7 @@
     </p:spTree>
     <p:extLst>
       <p:ext uri="{BB962C8B-B14F-4D97-AF65-F5344CB8AC3E}">
-        <p14:creationId xmlns:p14="http://schemas.microsoft.com/office/powerpoint/2010/main" xmlns="" val="3774589174"/>
+        <p14:creationId xmlns="" xmlns:p14="http://schemas.microsoft.com/office/powerpoint/2010/main" val="3774589174"/>
       </p:ext>
     </p:extLst>
   </p:cSld>
@@ -6402,7 +6697,8 @@
           <a:p>
             <a:fld id="{25DDA433-6589-46AD-8D05-9E1E5CD5C5AC}" type="datetimeFigureOut">
               <a:rPr lang="en-US" smtClean="0"/>
-              <a:t>2/28/2019</a:t>
+              <a:pPr/>
+              <a:t>3/1/2019</a:t>
             </a:fld>
             <a:endParaRPr lang="en-IN"/>
           </a:p>
@@ -6444,6 +6740,7 @@
           <a:p>
             <a:fld id="{7F05DEB8-4B41-4D06-835D-7AE854801CFC}" type="slidenum">
               <a:rPr lang="en-IN" smtClean="0"/>
+              <a:pPr/>
               <a:t>‹#›</a:t>
             </a:fld>
             <a:endParaRPr lang="en-IN"/>
@@ -6453,7 +6750,7 @@
     </p:spTree>
     <p:extLst>
       <p:ext uri="{BB962C8B-B14F-4D97-AF65-F5344CB8AC3E}">
-        <p14:creationId xmlns:p14="http://schemas.microsoft.com/office/powerpoint/2010/main" xmlns="" val="2499597931"/>
+        <p14:creationId xmlns="" xmlns:p14="http://schemas.microsoft.com/office/powerpoint/2010/main" val="2499597931"/>
       </p:ext>
     </p:extLst>
   </p:cSld>
@@ -6621,7 +6918,8 @@
           <a:p>
             <a:fld id="{25DDA433-6589-46AD-8D05-9E1E5CD5C5AC}" type="datetimeFigureOut">
               <a:rPr lang="en-US" smtClean="0"/>
-              <a:t>2/28/2019</a:t>
+              <a:pPr/>
+              <a:t>3/1/2019</a:t>
             </a:fld>
             <a:endParaRPr lang="en-IN"/>
           </a:p>
@@ -6699,6 +6997,7 @@
           <a:p>
             <a:fld id="{7F05DEB8-4B41-4D06-835D-7AE854801CFC}" type="slidenum">
               <a:rPr lang="en-IN" smtClean="0"/>
+              <a:pPr/>
               <a:t>‹#›</a:t>
             </a:fld>
             <a:endParaRPr lang="en-IN"/>
@@ -6708,7 +7007,7 @@
     </p:spTree>
     <p:extLst>
       <p:ext uri="{BB962C8B-B14F-4D97-AF65-F5344CB8AC3E}">
-        <p14:creationId xmlns:p14="http://schemas.microsoft.com/office/powerpoint/2010/main" xmlns="" val="629933824"/>
+        <p14:creationId xmlns="" xmlns:p14="http://schemas.microsoft.com/office/powerpoint/2010/main" val="629933824"/>
       </p:ext>
     </p:extLst>
   </p:cSld>
@@ -7140,7 +7439,7 @@
             <a:fld id="{DD2A2399-3C9C-6B45-A20A-3D6766199C84}" type="datetimeFigureOut">
               <a:rPr lang="en-US" smtClean="0"/>
               <a:pPr/>
-              <a:t>2/28/2019</a:t>
+              <a:t>3/1/2019</a:t>
             </a:fld>
             <a:endParaRPr lang="en-US"/>
           </a:p>
@@ -7228,7 +7527,7 @@
     </p:spTree>
     <p:extLst>
       <p:ext uri="{BB962C8B-B14F-4D97-AF65-F5344CB8AC3E}">
-        <p14:creationId xmlns:p14="http://schemas.microsoft.com/office/powerpoint/2010/main" xmlns="" val="2051673148"/>
+        <p14:creationId xmlns="" xmlns:p14="http://schemas.microsoft.com/office/powerpoint/2010/main" val="2051673148"/>
       </p:ext>
     </p:extLst>
   </p:cSld>
@@ -7534,7 +7833,7 @@
         </p:spPr>
         <p:txBody>
           <a:bodyPr>
-            <a:normAutofit/>
+            <a:normAutofit fontScale="90000"/>
           </a:bodyPr>
           <a:lstStyle/>
           <a:p>
@@ -7542,7 +7841,24 @@
               <a:rPr lang="en-IN" sz="4800" b="1" dirty="0" smtClean="0">
                 <a:latin typeface="Calibri" pitchFamily="34" charset="0"/>
               </a:rPr>
-              <a:t>Wildfire Intensity</a:t>
+              <a:t>Wildfire </a:t>
+            </a:r>
+            <a:r>
+              <a:rPr lang="en-IN" sz="4800" b="1" dirty="0" smtClean="0">
+                <a:latin typeface="Calibri" pitchFamily="34" charset="0"/>
+              </a:rPr>
+              <a:t>Intensity</a:t>
+            </a:r>
+            <a:br>
+              <a:rPr lang="en-IN" sz="4800" b="1" dirty="0" smtClean="0">
+                <a:latin typeface="Calibri" pitchFamily="34" charset="0"/>
+              </a:rPr>
+            </a:br>
+            <a:r>
+              <a:rPr lang="en-IN" sz="4800" b="1" dirty="0" smtClean="0">
+                <a:latin typeface="Calibri" pitchFamily="34" charset="0"/>
+              </a:rPr>
+              <a:t>Data Analysis</a:t>
             </a:r>
             <a:endParaRPr lang="en-IN" sz="4800" b="1" dirty="0">
               <a:latin typeface="Calibri" pitchFamily="34" charset="0"/>
@@ -7594,12 +7910,6 @@
               </a:rPr>
               <a:t>Sindhusha Tiyyagura</a:t>
             </a:r>
-            <a:endParaRPr lang="en-IN" sz="2000" dirty="0" smtClean="0">
-              <a:solidFill>
-                <a:schemeClr val="tx1"/>
-              </a:solidFill>
-              <a:latin typeface="Calibri" pitchFamily="34" charset="0"/>
-            </a:endParaRPr>
           </a:p>
           <a:p>
             <a:pPr algn="l"/>
@@ -7707,6 +8017,417 @@
         </p:nvSpPr>
         <p:spPr>
           <a:xfrm>
+            <a:off x="571472" y="714356"/>
+            <a:ext cx="7772400" cy="1470025"/>
+          </a:xfrm>
+        </p:spPr>
+        <p:txBody>
+          <a:bodyPr>
+            <a:normAutofit/>
+          </a:bodyPr>
+          <a:lstStyle/>
+          <a:p>
+            <a:pPr algn="l"/>
+            <a:r>
+              <a:rPr lang="en-IN" sz="4800" b="1" dirty="0" smtClean="0">
+                <a:latin typeface="Calibri" pitchFamily="34" charset="0"/>
+              </a:rPr>
+              <a:t>Deploy</a:t>
+            </a:r>
+            <a:endParaRPr lang="en-IN" sz="4800" b="1" dirty="0">
+              <a:latin typeface="Calibri" pitchFamily="34" charset="0"/>
+            </a:endParaRPr>
+          </a:p>
+        </p:txBody>
+      </p:sp>
+      <p:sp>
+        <p:nvSpPr>
+          <p:cNvPr id="8" name="Subtitle 2"/>
+          <p:cNvSpPr>
+            <a:spLocks noGrp="1"/>
+          </p:cNvSpPr>
+          <p:nvPr>
+            <p:ph type="subTitle" idx="1"/>
+          </p:nvPr>
+        </p:nvSpPr>
+        <p:spPr>
+          <a:xfrm>
+            <a:off x="571472" y="2285992"/>
+            <a:ext cx="7000924" cy="2643206"/>
+          </a:xfrm>
+        </p:spPr>
+        <p:txBody>
+          <a:bodyPr>
+            <a:normAutofit/>
+          </a:bodyPr>
+          <a:lstStyle/>
+          <a:p>
+            <a:pPr algn="l"/>
+            <a:r>
+              <a:rPr lang="en-IN" sz="2000" dirty="0" smtClean="0">
+                <a:solidFill>
+                  <a:schemeClr val="tx1"/>
+                </a:solidFill>
+                <a:latin typeface="Calibri" pitchFamily="34" charset="0"/>
+              </a:rPr>
+              <a:t>Deploying the web page on cloud server.</a:t>
+            </a:r>
+            <a:endParaRPr lang="en-IN" sz="2000" dirty="0">
+              <a:solidFill>
+                <a:schemeClr val="tx1"/>
+              </a:solidFill>
+              <a:latin typeface="Calibri" pitchFamily="34" charset="0"/>
+            </a:endParaRPr>
+          </a:p>
+        </p:txBody>
+      </p:sp>
+    </p:spTree>
+  </p:cSld>
+  <p:clrMapOvr>
+    <a:masterClrMapping/>
+  </p:clrMapOvr>
+  <p:timing>
+    <p:tnLst>
+      <p:par>
+        <p:cTn id="1" dur="indefinite" restart="never" nodeType="tmRoot"/>
+      </p:par>
+    </p:tnLst>
+  </p:timing>
+</p:sld>
+</file>
+
+<file path=ppt/slides/slide11.xml><?xml version="1.0" encoding="utf-8"?>
+<p:sld xmlns:a="http://schemas.openxmlformats.org/drawingml/2006/main" xmlns:r="http://schemas.openxmlformats.org/officeDocument/2006/relationships" xmlns:p="http://schemas.openxmlformats.org/presentationml/2006/main">
+  <p:cSld>
+    <p:spTree>
+      <p:nvGrpSpPr>
+        <p:cNvPr id="1" name=""/>
+        <p:cNvGrpSpPr/>
+        <p:nvPr/>
+      </p:nvGrpSpPr>
+      <p:grpSpPr>
+        <a:xfrm>
+          <a:off x="0" y="0"/>
+          <a:ext cx="0" cy="0"/>
+          <a:chOff x="0" y="0"/>
+          <a:chExt cx="0" cy="0"/>
+        </a:xfrm>
+      </p:grpSpPr>
+      <p:sp>
+        <p:nvSpPr>
+          <p:cNvPr id="7" name="Title 1"/>
+          <p:cNvSpPr>
+            <a:spLocks noGrp="1"/>
+          </p:cNvSpPr>
+          <p:nvPr>
+            <p:ph type="ctrTitle"/>
+          </p:nvPr>
+        </p:nvSpPr>
+        <p:spPr>
+          <a:xfrm>
+            <a:off x="571472" y="714356"/>
+            <a:ext cx="7772400" cy="1470025"/>
+          </a:xfrm>
+        </p:spPr>
+        <p:txBody>
+          <a:bodyPr>
+            <a:normAutofit/>
+          </a:bodyPr>
+          <a:lstStyle/>
+          <a:p>
+            <a:pPr algn="l"/>
+            <a:r>
+              <a:rPr lang="en-IN" sz="4800" b="1" dirty="0" smtClean="0">
+                <a:latin typeface="Calibri" pitchFamily="34" charset="0"/>
+              </a:rPr>
+              <a:t>Future Work:</a:t>
+            </a:r>
+            <a:endParaRPr lang="en-IN" sz="4800" b="1" dirty="0">
+              <a:latin typeface="Calibri" pitchFamily="34" charset="0"/>
+            </a:endParaRPr>
+          </a:p>
+        </p:txBody>
+      </p:sp>
+      <p:sp>
+        <p:nvSpPr>
+          <p:cNvPr id="8" name="Subtitle 2"/>
+          <p:cNvSpPr>
+            <a:spLocks noGrp="1"/>
+          </p:cNvSpPr>
+          <p:nvPr>
+            <p:ph type="subTitle" idx="1"/>
+          </p:nvPr>
+        </p:nvSpPr>
+        <p:spPr>
+          <a:xfrm>
+            <a:off x="571472" y="2285992"/>
+            <a:ext cx="7643866" cy="3500462"/>
+          </a:xfrm>
+        </p:spPr>
+        <p:txBody>
+          <a:bodyPr>
+            <a:normAutofit/>
+          </a:bodyPr>
+          <a:lstStyle/>
+          <a:p>
+            <a:pPr algn="l"/>
+            <a:r>
+              <a:rPr lang="en-IN" sz="2000" b="1" dirty="0" smtClean="0">
+                <a:solidFill>
+                  <a:schemeClr val="tx1"/>
+                </a:solidFill>
+                <a:latin typeface="Calibri" pitchFamily="34" charset="0"/>
+              </a:rPr>
+              <a:t>Using Machine Learning:</a:t>
+            </a:r>
+          </a:p>
+          <a:p>
+            <a:pPr algn="l"/>
+            <a:endParaRPr lang="en-IN" sz="2000" dirty="0" smtClean="0">
+              <a:solidFill>
+                <a:schemeClr val="tx1"/>
+              </a:solidFill>
+              <a:latin typeface="Calibri" pitchFamily="34" charset="0"/>
+            </a:endParaRPr>
+          </a:p>
+          <a:p>
+            <a:pPr marL="457200" indent="-457200" algn="l">
+              <a:buAutoNum type="arabicParenR"/>
+            </a:pPr>
+            <a:r>
+              <a:rPr lang="en-IN" sz="2000" dirty="0" smtClean="0">
+                <a:solidFill>
+                  <a:schemeClr val="tx1"/>
+                </a:solidFill>
+                <a:latin typeface="Calibri" pitchFamily="34" charset="0"/>
+              </a:rPr>
+              <a:t>Predict where the next fire will Ignite?</a:t>
+            </a:r>
+          </a:p>
+          <a:p>
+            <a:pPr marL="457200" indent="-457200" algn="l">
+              <a:buAutoNum type="arabicParenR"/>
+            </a:pPr>
+            <a:r>
+              <a:rPr lang="en-IN" sz="2000" dirty="0" smtClean="0">
+                <a:solidFill>
+                  <a:schemeClr val="tx1"/>
+                </a:solidFill>
+                <a:latin typeface="Calibri" pitchFamily="34" charset="0"/>
+              </a:rPr>
+              <a:t>Probability of wildfire spread across the region?</a:t>
+            </a:r>
+          </a:p>
+          <a:p>
+            <a:pPr marL="457200" indent="-457200" algn="l">
+              <a:buAutoNum type="arabicParenR"/>
+            </a:pPr>
+            <a:endParaRPr lang="en-IN" sz="2000" dirty="0" smtClean="0">
+              <a:solidFill>
+                <a:schemeClr val="tx1"/>
+              </a:solidFill>
+              <a:latin typeface="Calibri" pitchFamily="34" charset="0"/>
+            </a:endParaRPr>
+          </a:p>
+          <a:p>
+            <a:pPr marL="914400" lvl="1" indent="-457200" algn="l">
+              <a:buFont typeface="Wingdings" pitchFamily="2" charset="2"/>
+              <a:buChar char="§"/>
+            </a:pPr>
+            <a:r>
+              <a:rPr lang="en-IN" sz="1600" dirty="0" smtClean="0">
+                <a:solidFill>
+                  <a:schemeClr val="tx1"/>
+                </a:solidFill>
+                <a:latin typeface="Calibri" pitchFamily="34" charset="0"/>
+              </a:rPr>
+              <a:t>In this case, we will be writing python code for predicting the data. </a:t>
+            </a:r>
+          </a:p>
+          <a:p>
+            <a:pPr marL="914400" lvl="1" indent="-457200" algn="l">
+              <a:buFont typeface="Wingdings" pitchFamily="2" charset="2"/>
+              <a:buChar char="§"/>
+            </a:pPr>
+            <a:r>
+              <a:rPr lang="en-IN" sz="1600" dirty="0" smtClean="0">
+                <a:solidFill>
+                  <a:schemeClr val="tx1"/>
+                </a:solidFill>
+                <a:latin typeface="Calibri" pitchFamily="34" charset="0"/>
+              </a:rPr>
+              <a:t>Python code can be executed either by doing AJAX request or by creating a web service.</a:t>
+            </a:r>
+          </a:p>
+        </p:txBody>
+      </p:sp>
+    </p:spTree>
+  </p:cSld>
+  <p:clrMapOvr>
+    <a:masterClrMapping/>
+  </p:clrMapOvr>
+  <p:timing>
+    <p:tnLst>
+      <p:par>
+        <p:cTn id="1" dur="indefinite" restart="never" nodeType="tmRoot"/>
+      </p:par>
+    </p:tnLst>
+  </p:timing>
+</p:sld>
+</file>
+
+<file path=ppt/slides/slide12.xml><?xml version="1.0" encoding="utf-8"?>
+<p:sld xmlns:a="http://schemas.openxmlformats.org/drawingml/2006/main" xmlns:r="http://schemas.openxmlformats.org/officeDocument/2006/relationships" xmlns:p="http://schemas.openxmlformats.org/presentationml/2006/main">
+  <p:cSld>
+    <p:spTree>
+      <p:nvGrpSpPr>
+        <p:cNvPr id="1" name=""/>
+        <p:cNvGrpSpPr/>
+        <p:nvPr/>
+      </p:nvGrpSpPr>
+      <p:grpSpPr>
+        <a:xfrm>
+          <a:off x="0" y="0"/>
+          <a:ext cx="0" cy="0"/>
+          <a:chOff x="0" y="0"/>
+          <a:chExt cx="0" cy="0"/>
+        </a:xfrm>
+      </p:grpSpPr>
+      <p:sp>
+        <p:nvSpPr>
+          <p:cNvPr id="7" name="Title 1"/>
+          <p:cNvSpPr>
+            <a:spLocks noGrp="1"/>
+          </p:cNvSpPr>
+          <p:nvPr>
+            <p:ph type="ctrTitle"/>
+          </p:nvPr>
+        </p:nvSpPr>
+        <p:spPr>
+          <a:xfrm>
+            <a:off x="571472" y="714356"/>
+            <a:ext cx="7772400" cy="1470025"/>
+          </a:xfrm>
+        </p:spPr>
+        <p:txBody>
+          <a:bodyPr>
+            <a:normAutofit/>
+          </a:bodyPr>
+          <a:lstStyle/>
+          <a:p>
+            <a:pPr algn="l"/>
+            <a:r>
+              <a:rPr lang="en-IN" sz="4800" b="1" dirty="0" smtClean="0">
+                <a:latin typeface="Calibri" pitchFamily="34" charset="0"/>
+              </a:rPr>
+              <a:t>Learning:</a:t>
+            </a:r>
+            <a:endParaRPr lang="en-IN" sz="4800" b="1" dirty="0">
+              <a:latin typeface="Calibri" pitchFamily="34" charset="0"/>
+            </a:endParaRPr>
+          </a:p>
+        </p:txBody>
+      </p:sp>
+      <p:sp>
+        <p:nvSpPr>
+          <p:cNvPr id="8" name="Subtitle 2"/>
+          <p:cNvSpPr>
+            <a:spLocks noGrp="1"/>
+          </p:cNvSpPr>
+          <p:nvPr>
+            <p:ph type="subTitle" idx="1"/>
+          </p:nvPr>
+        </p:nvSpPr>
+        <p:spPr>
+          <a:xfrm>
+            <a:off x="571472" y="2285992"/>
+            <a:ext cx="7643866" cy="3500462"/>
+          </a:xfrm>
+        </p:spPr>
+        <p:txBody>
+          <a:bodyPr>
+            <a:normAutofit/>
+          </a:bodyPr>
+          <a:lstStyle/>
+          <a:p>
+            <a:pPr algn="l"/>
+            <a:r>
+              <a:rPr lang="en-IN" sz="1600" dirty="0" smtClean="0">
+                <a:solidFill>
+                  <a:schemeClr val="tx1"/>
+                </a:solidFill>
+                <a:latin typeface="Calibri" pitchFamily="34" charset="0"/>
+              </a:rPr>
+              <a:t>Analysing Data</a:t>
+            </a:r>
+          </a:p>
+          <a:p>
+            <a:pPr algn="l"/>
+            <a:r>
+              <a:rPr lang="en-IN" sz="1600" dirty="0" smtClean="0">
+                <a:solidFill>
+                  <a:schemeClr val="tx1"/>
+                </a:solidFill>
+                <a:latin typeface="Calibri" pitchFamily="34" charset="0"/>
+              </a:rPr>
+              <a:t>Using Visualization tools</a:t>
+            </a:r>
+          </a:p>
+          <a:p>
+            <a:pPr algn="l"/>
+            <a:endParaRPr lang="en-IN" sz="1600" dirty="0" smtClean="0">
+              <a:solidFill>
+                <a:schemeClr val="tx1"/>
+              </a:solidFill>
+              <a:latin typeface="Calibri" pitchFamily="34" charset="0"/>
+            </a:endParaRPr>
+          </a:p>
+        </p:txBody>
+      </p:sp>
+    </p:spTree>
+  </p:cSld>
+  <p:clrMapOvr>
+    <a:masterClrMapping/>
+  </p:clrMapOvr>
+  <p:timing>
+    <p:tnLst>
+      <p:par>
+        <p:cTn id="1" dur="indefinite" restart="never" nodeType="tmRoot"/>
+      </p:par>
+    </p:tnLst>
+  </p:timing>
+</p:sld>
+</file>
+
+<file path=ppt/slides/slide13.xml><?xml version="1.0" encoding="utf-8"?>
+<p:sld xmlns:a="http://schemas.openxmlformats.org/drawingml/2006/main" xmlns:r="http://schemas.openxmlformats.org/officeDocument/2006/relationships" xmlns:p="http://schemas.openxmlformats.org/presentationml/2006/main">
+  <p:cSld>
+    <p:spTree>
+      <p:nvGrpSpPr>
+        <p:cNvPr id="1" name=""/>
+        <p:cNvGrpSpPr/>
+        <p:nvPr/>
+      </p:nvGrpSpPr>
+      <p:grpSpPr>
+        <a:xfrm>
+          <a:off x="0" y="0"/>
+          <a:ext cx="0" cy="0"/>
+          <a:chOff x="0" y="0"/>
+          <a:chExt cx="0" cy="0"/>
+        </a:xfrm>
+      </p:grpSpPr>
+      <p:sp>
+        <p:nvSpPr>
+          <p:cNvPr id="7" name="Title 1"/>
+          <p:cNvSpPr>
+            <a:spLocks noGrp="1"/>
+          </p:cNvSpPr>
+          <p:nvPr>
+            <p:ph type="ctrTitle"/>
+          </p:nvPr>
+        </p:nvSpPr>
+        <p:spPr>
+          <a:xfrm>
             <a:off x="642910" y="1571612"/>
             <a:ext cx="7772400" cy="1470025"/>
           </a:xfrm>
@@ -7888,6 +8609,645 @@
 </file>
 
 <file path=ppt/slides/slide3.xml><?xml version="1.0" encoding="utf-8"?>
+<p:sld xmlns:a="http://schemas.openxmlformats.org/drawingml/2006/main" xmlns:r="http://schemas.openxmlformats.org/officeDocument/2006/relationships" xmlns:p="http://schemas.openxmlformats.org/presentationml/2006/main">
+  <p:cSld>
+    <p:spTree>
+      <p:nvGrpSpPr>
+        <p:cNvPr id="1" name=""/>
+        <p:cNvGrpSpPr/>
+        <p:nvPr/>
+      </p:nvGrpSpPr>
+      <p:grpSpPr>
+        <a:xfrm>
+          <a:off x="0" y="0"/>
+          <a:ext cx="0" cy="0"/>
+          <a:chOff x="0" y="0"/>
+          <a:chExt cx="0" cy="0"/>
+        </a:xfrm>
+      </p:grpSpPr>
+      <p:sp>
+        <p:nvSpPr>
+          <p:cNvPr id="2" name="Title 1"/>
+          <p:cNvSpPr>
+            <a:spLocks noGrp="1"/>
+          </p:cNvSpPr>
+          <p:nvPr>
+            <p:ph type="ctrTitle"/>
+          </p:nvPr>
+        </p:nvSpPr>
+        <p:spPr>
+          <a:xfrm>
+            <a:off x="571472" y="714356"/>
+            <a:ext cx="7772400" cy="1470025"/>
+          </a:xfrm>
+        </p:spPr>
+        <p:txBody>
+          <a:bodyPr>
+            <a:normAutofit/>
+          </a:bodyPr>
+          <a:lstStyle/>
+          <a:p>
+            <a:pPr algn="l"/>
+            <a:r>
+              <a:rPr lang="en-IN" sz="4800" b="1" dirty="0" smtClean="0">
+                <a:latin typeface="Calibri" pitchFamily="34" charset="0"/>
+              </a:rPr>
+              <a:t>Motivation	</a:t>
+            </a:r>
+            <a:endParaRPr lang="en-IN" sz="4800" b="1" dirty="0">
+              <a:latin typeface="Calibri" pitchFamily="34" charset="0"/>
+            </a:endParaRPr>
+          </a:p>
+        </p:txBody>
+      </p:sp>
+      <p:sp>
+        <p:nvSpPr>
+          <p:cNvPr id="3" name="Subtitle 2"/>
+          <p:cNvSpPr>
+            <a:spLocks noGrp="1"/>
+          </p:cNvSpPr>
+          <p:nvPr>
+            <p:ph type="subTitle" idx="1"/>
+          </p:nvPr>
+        </p:nvSpPr>
+        <p:spPr>
+          <a:xfrm>
+            <a:off x="571472" y="2285992"/>
+            <a:ext cx="7000924" cy="1752600"/>
+          </a:xfrm>
+        </p:spPr>
+        <p:txBody>
+          <a:bodyPr>
+            <a:normAutofit/>
+          </a:bodyPr>
+          <a:lstStyle/>
+          <a:p>
+            <a:pPr marL="457200" indent="-457200" algn="l">
+              <a:buAutoNum type="arabicParenR"/>
+            </a:pPr>
+            <a:r>
+              <a:rPr lang="en-IN" sz="2000" dirty="0" smtClean="0">
+                <a:solidFill>
+                  <a:schemeClr val="tx1"/>
+                </a:solidFill>
+                <a:latin typeface="Calibri" pitchFamily="34" charset="0"/>
+              </a:rPr>
+              <a:t>Million of users are being evacuated every year.</a:t>
+            </a:r>
+          </a:p>
+          <a:p>
+            <a:pPr marL="457200" indent="-457200" algn="l">
+              <a:buAutoNum type="arabicParenR"/>
+            </a:pPr>
+            <a:r>
+              <a:rPr lang="en-IN" sz="2000" dirty="0" smtClean="0">
+                <a:solidFill>
+                  <a:schemeClr val="tx1"/>
+                </a:solidFill>
+                <a:latin typeface="Calibri" pitchFamily="34" charset="0"/>
+              </a:rPr>
+              <a:t>Avoid million acres of land being burnt </a:t>
+            </a:r>
+          </a:p>
+          <a:p>
+            <a:pPr marL="457200" indent="-457200" algn="l">
+              <a:buAutoNum type="arabicParenR"/>
+            </a:pPr>
+            <a:r>
+              <a:rPr lang="en-IN" sz="2000" dirty="0" smtClean="0">
+                <a:solidFill>
+                  <a:schemeClr val="tx1"/>
+                </a:solidFill>
+                <a:latin typeface="Calibri" pitchFamily="34" charset="0"/>
+              </a:rPr>
+              <a:t>Can come up with the data patterns that help in predicting the future.</a:t>
+            </a:r>
+            <a:endParaRPr lang="en-IN" sz="2000" dirty="0">
+              <a:solidFill>
+                <a:schemeClr val="tx1"/>
+              </a:solidFill>
+              <a:latin typeface="Calibri" pitchFamily="34" charset="0"/>
+            </a:endParaRPr>
+          </a:p>
+        </p:txBody>
+      </p:sp>
+    </p:spTree>
+  </p:cSld>
+  <p:clrMapOvr>
+    <a:masterClrMapping/>
+  </p:clrMapOvr>
+  <p:timing>
+    <p:tnLst>
+      <p:par>
+        <p:cTn id="1" dur="indefinite" restart="never" nodeType="tmRoot"/>
+      </p:par>
+    </p:tnLst>
+  </p:timing>
+</p:sld>
+</file>
+
+<file path=ppt/slides/slide4.xml><?xml version="1.0" encoding="utf-8"?>
+<p:sld xmlns:a="http://schemas.openxmlformats.org/drawingml/2006/main" xmlns:r="http://schemas.openxmlformats.org/officeDocument/2006/relationships" xmlns:p="http://schemas.openxmlformats.org/presentationml/2006/main">
+  <p:cSld>
+    <p:spTree>
+      <p:nvGrpSpPr>
+        <p:cNvPr id="1" name=""/>
+        <p:cNvGrpSpPr/>
+        <p:nvPr/>
+      </p:nvGrpSpPr>
+      <p:grpSpPr>
+        <a:xfrm>
+          <a:off x="0" y="0"/>
+          <a:ext cx="0" cy="0"/>
+          <a:chOff x="0" y="0"/>
+          <a:chExt cx="0" cy="0"/>
+        </a:xfrm>
+      </p:grpSpPr>
+      <p:sp>
+        <p:nvSpPr>
+          <p:cNvPr id="2" name="Title 1"/>
+          <p:cNvSpPr>
+            <a:spLocks noGrp="1"/>
+          </p:cNvSpPr>
+          <p:nvPr>
+            <p:ph type="ctrTitle"/>
+          </p:nvPr>
+        </p:nvSpPr>
+        <p:spPr>
+          <a:xfrm>
+            <a:off x="571472" y="714356"/>
+            <a:ext cx="7772400" cy="1470025"/>
+          </a:xfrm>
+        </p:spPr>
+        <p:txBody>
+          <a:bodyPr>
+            <a:normAutofit/>
+          </a:bodyPr>
+          <a:lstStyle/>
+          <a:p>
+            <a:pPr algn="l"/>
+            <a:r>
+              <a:rPr lang="en-IN" sz="4800" b="1" dirty="0" smtClean="0">
+                <a:latin typeface="Calibri" pitchFamily="34" charset="0"/>
+              </a:rPr>
+              <a:t>Block Diagram:</a:t>
+            </a:r>
+            <a:endParaRPr lang="en-IN" sz="4800" b="1" dirty="0">
+              <a:latin typeface="Calibri" pitchFamily="34" charset="0"/>
+            </a:endParaRPr>
+          </a:p>
+        </p:txBody>
+      </p:sp>
+      <p:sp>
+        <p:nvSpPr>
+          <p:cNvPr id="5" name="Rectangle 4"/>
+          <p:cNvSpPr/>
+          <p:nvPr/>
+        </p:nvSpPr>
+        <p:spPr>
+          <a:xfrm>
+            <a:off x="785786" y="2357430"/>
+            <a:ext cx="1414466" cy="914400"/>
+          </a:xfrm>
+          <a:prstGeom prst="rect">
+            <a:avLst/>
+          </a:prstGeom>
+          <a:solidFill>
+            <a:schemeClr val="bg1"/>
+          </a:solidFill>
+          <a:ln>
+            <a:solidFill>
+              <a:schemeClr val="tx2"/>
+            </a:solidFill>
+          </a:ln>
+        </p:spPr>
+        <p:style>
+          <a:lnRef idx="1">
+            <a:schemeClr val="accent1"/>
+          </a:lnRef>
+          <a:fillRef idx="3">
+            <a:schemeClr val="accent1"/>
+          </a:fillRef>
+          <a:effectRef idx="2">
+            <a:schemeClr val="accent1"/>
+          </a:effectRef>
+          <a:fontRef idx="minor">
+            <a:schemeClr val="lt1"/>
+          </a:fontRef>
+        </p:style>
+        <p:txBody>
+          <a:bodyPr rtlCol="0" anchor="ctr"/>
+          <a:lstStyle/>
+          <a:p>
+            <a:pPr algn="ctr"/>
+            <a:r>
+              <a:rPr lang="en-IN" dirty="0" smtClean="0">
+                <a:solidFill>
+                  <a:schemeClr val="tx1"/>
+                </a:solidFill>
+              </a:rPr>
+              <a:t>Get Data</a:t>
+            </a:r>
+            <a:endParaRPr lang="en-IN" dirty="0">
+              <a:solidFill>
+                <a:schemeClr val="tx1"/>
+              </a:solidFill>
+            </a:endParaRPr>
+          </a:p>
+        </p:txBody>
+      </p:sp>
+      <p:sp>
+        <p:nvSpPr>
+          <p:cNvPr id="6" name="Rectangle 5"/>
+          <p:cNvSpPr/>
+          <p:nvPr/>
+        </p:nvSpPr>
+        <p:spPr>
+          <a:xfrm>
+            <a:off x="3286116" y="2357430"/>
+            <a:ext cx="1414466" cy="914400"/>
+          </a:xfrm>
+          <a:prstGeom prst="rect">
+            <a:avLst/>
+          </a:prstGeom>
+          <a:solidFill>
+            <a:schemeClr val="bg1"/>
+          </a:solidFill>
+          <a:ln>
+            <a:solidFill>
+              <a:schemeClr val="tx2"/>
+            </a:solidFill>
+          </a:ln>
+        </p:spPr>
+        <p:style>
+          <a:lnRef idx="1">
+            <a:schemeClr val="accent1"/>
+          </a:lnRef>
+          <a:fillRef idx="3">
+            <a:schemeClr val="accent1"/>
+          </a:fillRef>
+          <a:effectRef idx="2">
+            <a:schemeClr val="accent1"/>
+          </a:effectRef>
+          <a:fontRef idx="minor">
+            <a:schemeClr val="lt1"/>
+          </a:fontRef>
+        </p:style>
+        <p:txBody>
+          <a:bodyPr rtlCol="0" anchor="ctr"/>
+          <a:lstStyle/>
+          <a:p>
+            <a:pPr algn="ctr"/>
+            <a:r>
+              <a:rPr lang="en-IN" dirty="0" smtClean="0">
+                <a:solidFill>
+                  <a:schemeClr val="tx1"/>
+                </a:solidFill>
+              </a:rPr>
+              <a:t>Analyse Data</a:t>
+            </a:r>
+            <a:endParaRPr lang="en-IN" dirty="0">
+              <a:solidFill>
+                <a:schemeClr val="tx1"/>
+              </a:solidFill>
+            </a:endParaRPr>
+          </a:p>
+        </p:txBody>
+      </p:sp>
+      <p:sp>
+        <p:nvSpPr>
+          <p:cNvPr id="8" name="Rectangle 7"/>
+          <p:cNvSpPr/>
+          <p:nvPr/>
+        </p:nvSpPr>
+        <p:spPr>
+          <a:xfrm>
+            <a:off x="5357818" y="2357430"/>
+            <a:ext cx="1414466" cy="914400"/>
+          </a:xfrm>
+          <a:prstGeom prst="rect">
+            <a:avLst/>
+          </a:prstGeom>
+          <a:solidFill>
+            <a:schemeClr val="bg1"/>
+          </a:solidFill>
+          <a:ln>
+            <a:solidFill>
+              <a:schemeClr val="tx2"/>
+            </a:solidFill>
+          </a:ln>
+        </p:spPr>
+        <p:style>
+          <a:lnRef idx="1">
+            <a:schemeClr val="accent1"/>
+          </a:lnRef>
+          <a:fillRef idx="3">
+            <a:schemeClr val="accent1"/>
+          </a:fillRef>
+          <a:effectRef idx="2">
+            <a:schemeClr val="accent1"/>
+          </a:effectRef>
+          <a:fontRef idx="minor">
+            <a:schemeClr val="lt1"/>
+          </a:fontRef>
+        </p:style>
+        <p:txBody>
+          <a:bodyPr rtlCol="0" anchor="ctr"/>
+          <a:lstStyle/>
+          <a:p>
+            <a:pPr algn="ctr"/>
+            <a:r>
+              <a:rPr lang="en-IN" dirty="0" smtClean="0">
+                <a:solidFill>
+                  <a:schemeClr val="tx1"/>
+                </a:solidFill>
+              </a:rPr>
+              <a:t>Clean Data</a:t>
+            </a:r>
+            <a:endParaRPr lang="en-IN" dirty="0">
+              <a:solidFill>
+                <a:schemeClr val="tx1"/>
+              </a:solidFill>
+            </a:endParaRPr>
+          </a:p>
+        </p:txBody>
+      </p:sp>
+      <p:sp>
+        <p:nvSpPr>
+          <p:cNvPr id="9" name="Rectangle 8"/>
+          <p:cNvSpPr/>
+          <p:nvPr/>
+        </p:nvSpPr>
+        <p:spPr>
+          <a:xfrm>
+            <a:off x="5500694" y="4071942"/>
+            <a:ext cx="1785950" cy="914400"/>
+          </a:xfrm>
+          <a:prstGeom prst="rect">
+            <a:avLst/>
+          </a:prstGeom>
+          <a:solidFill>
+            <a:schemeClr val="bg1"/>
+          </a:solidFill>
+          <a:ln>
+            <a:solidFill>
+              <a:schemeClr val="tx2"/>
+            </a:solidFill>
+          </a:ln>
+        </p:spPr>
+        <p:style>
+          <a:lnRef idx="1">
+            <a:schemeClr val="accent1"/>
+          </a:lnRef>
+          <a:fillRef idx="3">
+            <a:schemeClr val="accent1"/>
+          </a:fillRef>
+          <a:effectRef idx="2">
+            <a:schemeClr val="accent1"/>
+          </a:effectRef>
+          <a:fontRef idx="minor">
+            <a:schemeClr val="lt1"/>
+          </a:fontRef>
+        </p:style>
+        <p:txBody>
+          <a:bodyPr rtlCol="0" anchor="ctr"/>
+          <a:lstStyle/>
+          <a:p>
+            <a:pPr algn="ctr"/>
+            <a:r>
+              <a:rPr lang="en-IN" dirty="0" smtClean="0">
+                <a:solidFill>
+                  <a:schemeClr val="tx1"/>
+                </a:solidFill>
+              </a:rPr>
+              <a:t>Splitting the data</a:t>
+            </a:r>
+            <a:endParaRPr lang="en-IN" dirty="0">
+              <a:solidFill>
+                <a:schemeClr val="tx1"/>
+              </a:solidFill>
+            </a:endParaRPr>
+          </a:p>
+        </p:txBody>
+      </p:sp>
+      <p:sp>
+        <p:nvSpPr>
+          <p:cNvPr id="10" name="Rectangle 9"/>
+          <p:cNvSpPr/>
+          <p:nvPr/>
+        </p:nvSpPr>
+        <p:spPr>
+          <a:xfrm>
+            <a:off x="2857488" y="4000504"/>
+            <a:ext cx="1414466" cy="914400"/>
+          </a:xfrm>
+          <a:prstGeom prst="rect">
+            <a:avLst/>
+          </a:prstGeom>
+          <a:solidFill>
+            <a:schemeClr val="bg1"/>
+          </a:solidFill>
+          <a:ln>
+            <a:solidFill>
+              <a:schemeClr val="tx2"/>
+            </a:solidFill>
+          </a:ln>
+        </p:spPr>
+        <p:style>
+          <a:lnRef idx="1">
+            <a:schemeClr val="accent1"/>
+          </a:lnRef>
+          <a:fillRef idx="3">
+            <a:schemeClr val="accent1"/>
+          </a:fillRef>
+          <a:effectRef idx="2">
+            <a:schemeClr val="accent1"/>
+          </a:effectRef>
+          <a:fontRef idx="minor">
+            <a:schemeClr val="lt1"/>
+          </a:fontRef>
+        </p:style>
+        <p:txBody>
+          <a:bodyPr rtlCol="0" anchor="ctr"/>
+          <a:lstStyle/>
+          <a:p>
+            <a:pPr algn="ctr"/>
+            <a:r>
+              <a:rPr lang="en-IN" dirty="0" smtClean="0">
+                <a:solidFill>
+                  <a:schemeClr val="tx1"/>
+                </a:solidFill>
+              </a:rPr>
+              <a:t>Visualize</a:t>
+            </a:r>
+            <a:endParaRPr lang="en-IN" dirty="0">
+              <a:solidFill>
+                <a:schemeClr val="tx1"/>
+              </a:solidFill>
+            </a:endParaRPr>
+          </a:p>
+        </p:txBody>
+      </p:sp>
+      <p:cxnSp>
+        <p:nvCxnSpPr>
+          <p:cNvPr id="12" name="Straight Arrow Connector 11"/>
+          <p:cNvCxnSpPr>
+            <a:stCxn id="5" idx="3"/>
+            <a:endCxn id="6" idx="1"/>
+          </p:cNvCxnSpPr>
+          <p:nvPr/>
+        </p:nvCxnSpPr>
+        <p:spPr>
+          <a:xfrm>
+            <a:off x="2200252" y="2814630"/>
+            <a:ext cx="1085864" cy="1588"/>
+          </a:xfrm>
+          <a:prstGeom prst="straightConnector1">
+            <a:avLst/>
+          </a:prstGeom>
+          <a:ln>
+            <a:tailEnd type="arrow"/>
+          </a:ln>
+        </p:spPr>
+        <p:style>
+          <a:lnRef idx="2">
+            <a:schemeClr val="accent1"/>
+          </a:lnRef>
+          <a:fillRef idx="0">
+            <a:schemeClr val="accent1"/>
+          </a:fillRef>
+          <a:effectRef idx="1">
+            <a:schemeClr val="accent1"/>
+          </a:effectRef>
+          <a:fontRef idx="minor">
+            <a:schemeClr val="tx1"/>
+          </a:fontRef>
+        </p:style>
+      </p:cxnSp>
+      <p:cxnSp>
+        <p:nvCxnSpPr>
+          <p:cNvPr id="14" name="Straight Arrow Connector 13"/>
+          <p:cNvCxnSpPr>
+            <a:stCxn id="6" idx="3"/>
+            <a:endCxn id="8" idx="1"/>
+          </p:cNvCxnSpPr>
+          <p:nvPr/>
+        </p:nvCxnSpPr>
+        <p:spPr>
+          <a:xfrm>
+            <a:off x="4700582" y="2814630"/>
+            <a:ext cx="657236" cy="1588"/>
+          </a:xfrm>
+          <a:prstGeom prst="straightConnector1">
+            <a:avLst/>
+          </a:prstGeom>
+          <a:ln>
+            <a:tailEnd type="arrow"/>
+          </a:ln>
+        </p:spPr>
+        <p:style>
+          <a:lnRef idx="2">
+            <a:schemeClr val="accent1"/>
+          </a:lnRef>
+          <a:fillRef idx="0">
+            <a:schemeClr val="accent1"/>
+          </a:fillRef>
+          <a:effectRef idx="1">
+            <a:schemeClr val="accent1"/>
+          </a:effectRef>
+          <a:fontRef idx="minor">
+            <a:schemeClr val="tx1"/>
+          </a:fontRef>
+        </p:style>
+      </p:cxnSp>
+      <p:cxnSp>
+        <p:nvCxnSpPr>
+          <p:cNvPr id="16" name="Straight Arrow Connector 15"/>
+          <p:cNvCxnSpPr>
+            <a:stCxn id="8" idx="3"/>
+            <a:endCxn id="9" idx="0"/>
+          </p:cNvCxnSpPr>
+          <p:nvPr/>
+        </p:nvCxnSpPr>
+        <p:spPr>
+          <a:xfrm flipH="1">
+            <a:off x="6393669" y="2814630"/>
+            <a:ext cx="378615" cy="1257312"/>
+          </a:xfrm>
+          <a:prstGeom prst="straightConnector1">
+            <a:avLst/>
+          </a:prstGeom>
+          <a:ln>
+            <a:tailEnd type="arrow"/>
+          </a:ln>
+        </p:spPr>
+        <p:style>
+          <a:lnRef idx="2">
+            <a:schemeClr val="accent1"/>
+          </a:lnRef>
+          <a:fillRef idx="0">
+            <a:schemeClr val="accent1"/>
+          </a:fillRef>
+          <a:effectRef idx="1">
+            <a:schemeClr val="accent1"/>
+          </a:effectRef>
+          <a:fontRef idx="minor">
+            <a:schemeClr val="tx1"/>
+          </a:fontRef>
+        </p:style>
+      </p:cxnSp>
+      <p:cxnSp>
+        <p:nvCxnSpPr>
+          <p:cNvPr id="18" name="Straight Arrow Connector 17"/>
+          <p:cNvCxnSpPr>
+            <a:stCxn id="9" idx="1"/>
+            <a:endCxn id="10" idx="3"/>
+          </p:cNvCxnSpPr>
+          <p:nvPr/>
+        </p:nvCxnSpPr>
+        <p:spPr>
+          <a:xfrm rot="10800000">
+            <a:off x="4271954" y="4457704"/>
+            <a:ext cx="1228740" cy="71438"/>
+          </a:xfrm>
+          <a:prstGeom prst="straightConnector1">
+            <a:avLst/>
+          </a:prstGeom>
+          <a:ln>
+            <a:tailEnd type="arrow"/>
+          </a:ln>
+        </p:spPr>
+        <p:style>
+          <a:lnRef idx="2">
+            <a:schemeClr val="accent1"/>
+          </a:lnRef>
+          <a:fillRef idx="0">
+            <a:schemeClr val="accent1"/>
+          </a:fillRef>
+          <a:effectRef idx="1">
+            <a:schemeClr val="accent1"/>
+          </a:effectRef>
+          <a:fontRef idx="minor">
+            <a:schemeClr val="tx1"/>
+          </a:fontRef>
+        </p:style>
+      </p:cxnSp>
+    </p:spTree>
+  </p:cSld>
+  <p:clrMapOvr>
+    <a:masterClrMapping/>
+  </p:clrMapOvr>
+  <p:timing>
+    <p:tnLst>
+      <p:par>
+        <p:cTn id="1" dur="indefinite" restart="never" nodeType="tmRoot"/>
+      </p:par>
+    </p:tnLst>
+  </p:timing>
+</p:sld>
+</file>
+
+<file path=ppt/slides/slide5.xml><?xml version="1.0" encoding="utf-8"?>
 <p:sld xmlns:a="http://schemas.openxmlformats.org/drawingml/2006/main" xmlns:r="http://schemas.openxmlformats.org/officeDocument/2006/relationships" xmlns:p="http://schemas.openxmlformats.org/presentationml/2006/main">
   <p:cSld>
     <p:spTree>
@@ -7978,7 +9338,7 @@
 </p:sld>
 </file>
 
-<file path=ppt/slides/slide4.xml><?xml version="1.0" encoding="utf-8"?>
+<file path=ppt/slides/slide6.xml><?xml version="1.0" encoding="utf-8"?>
 <p:sld xmlns:a="http://schemas.openxmlformats.org/drawingml/2006/main" xmlns:r="http://schemas.openxmlformats.org/officeDocument/2006/relationships" xmlns:p="http://schemas.openxmlformats.org/presentationml/2006/main">
   <p:cSld>
     <p:spTree>
@@ -8060,8 +9420,23 @@
                 </a:solidFill>
                 <a:latin typeface="Calibri" pitchFamily="34" charset="0"/>
               </a:rPr>
-              <a:t>Visualization and development</a:t>
-            </a:r>
+              <a:t>Visualization </a:t>
+            </a:r>
+            <a:r>
+              <a:rPr lang="en-IN" sz="2000" dirty="0" smtClean="0">
+                <a:solidFill>
+                  <a:schemeClr val="tx1"/>
+                </a:solidFill>
+                <a:latin typeface="Calibri" pitchFamily="34" charset="0"/>
+              </a:rPr>
+              <a:t>and development</a:t>
+            </a:r>
+            <a:endParaRPr lang="en-IN" sz="2000" dirty="0" smtClean="0">
+              <a:solidFill>
+                <a:schemeClr val="tx1"/>
+              </a:solidFill>
+              <a:latin typeface="Calibri" pitchFamily="34" charset="0"/>
+            </a:endParaRPr>
           </a:p>
         </p:txBody>
       </p:sp>
@@ -8205,7 +9580,7 @@
         <p:spPr>
           <a:xfrm>
             <a:off x="1000100" y="1785926"/>
-            <a:ext cx="6286544" cy="1477328"/>
+            <a:ext cx="6286544" cy="1754326"/>
           </a:xfrm>
           <a:prstGeom prst="rect">
             <a:avLst/>
@@ -8242,8 +9617,27 @@
             </a:r>
             <a:r>
               <a:rPr lang="en-IN" dirty="0" smtClean="0"/>
-              <a:t> for tracking source code</a:t>
-            </a:r>
+              <a:t> for tracking source </a:t>
+            </a:r>
+            <a:r>
+              <a:rPr lang="en-IN" dirty="0" smtClean="0"/>
+              <a:t>code</a:t>
+            </a:r>
+          </a:p>
+          <a:p>
+            <a:r>
+              <a:rPr lang="en-IN" dirty="0" smtClean="0"/>
+              <a:t>Python and </a:t>
+            </a:r>
+            <a:r>
+              <a:rPr lang="en-IN" dirty="0" err="1" smtClean="0"/>
+              <a:t>pycharm</a:t>
+            </a:r>
+            <a:r>
+              <a:rPr lang="en-IN" dirty="0" smtClean="0"/>
+              <a:t> for developing models</a:t>
+            </a:r>
+            <a:endParaRPr lang="en-IN" dirty="0" smtClean="0"/>
           </a:p>
           <a:p>
             <a:endParaRPr lang="en-IN" dirty="0" smtClean="0"/>
@@ -8265,7 +9659,7 @@
 </p:sld>
 </file>
 
-<file path=ppt/slides/slide5.xml><?xml version="1.0" encoding="utf-8"?>
+<file path=ppt/slides/slide7.xml><?xml version="1.0" encoding="utf-8"?>
 <p:sld xmlns:a="http://schemas.openxmlformats.org/drawingml/2006/main" xmlns:r="http://schemas.openxmlformats.org/officeDocument/2006/relationships" xmlns:p="http://schemas.openxmlformats.org/presentationml/2006/main">
   <p:cSld>
     <p:spTree>
@@ -8309,7 +9703,7 @@
               <a:rPr lang="en-IN" sz="4800" b="1" dirty="0" smtClean="0">
                 <a:latin typeface="Calibri" pitchFamily="34" charset="0"/>
               </a:rPr>
-              <a:t>Implementation Step-1:</a:t>
+              <a:t>NASA FIRMS API</a:t>
             </a:r>
             <a:endParaRPr lang="en-IN" sz="4800" b="1" dirty="0">
               <a:latin typeface="Calibri" pitchFamily="34" charset="0"/>
@@ -8409,7 +9803,7 @@
 </p:sld>
 </file>
 
-<file path=ppt/slides/slide6.xml><?xml version="1.0" encoding="utf-8"?>
+<file path=ppt/slides/slide8.xml><?xml version="1.0" encoding="utf-8"?>
 <p:sld xmlns:a="http://schemas.openxmlformats.org/drawingml/2006/main" xmlns:r="http://schemas.openxmlformats.org/officeDocument/2006/relationships" xmlns:p="http://schemas.openxmlformats.org/presentationml/2006/main">
   <p:cSld>
     <p:spTree>
@@ -8453,7 +9847,7 @@
               <a:rPr lang="en-IN" sz="4800" b="1" dirty="0" smtClean="0">
                 <a:latin typeface="Calibri" pitchFamily="34" charset="0"/>
               </a:rPr>
-              <a:t>Implementation Step-2:</a:t>
+              <a:t>Expected Outcome</a:t>
             </a:r>
             <a:endParaRPr lang="en-IN" sz="4800" b="1" dirty="0">
               <a:latin typeface="Calibri" pitchFamily="34" charset="0"/>
@@ -8594,7 +9988,7 @@
 </p:sld>
 </file>
 
-<file path=ppt/slides/slide7.xml><?xml version="1.0" encoding="utf-8"?>
+<file path=ppt/slides/slide9.xml><?xml version="1.0" encoding="utf-8"?>
 <p:sld xmlns:a="http://schemas.openxmlformats.org/drawingml/2006/main" xmlns:r="http://schemas.openxmlformats.org/officeDocument/2006/relationships" xmlns:p="http://schemas.openxmlformats.org/presentationml/2006/main">
   <p:cSld>
     <p:spTree>
@@ -8635,294 +10029,6 @@
           </a:prstGeom>
         </p:spPr>
       </p:pic>
-    </p:spTree>
-  </p:cSld>
-  <p:clrMapOvr>
-    <a:masterClrMapping/>
-  </p:clrMapOvr>
-  <p:timing>
-    <p:tnLst>
-      <p:par>
-        <p:cTn id="1" dur="indefinite" restart="never" nodeType="tmRoot"/>
-      </p:par>
-    </p:tnLst>
-  </p:timing>
-</p:sld>
-</file>
-
-<file path=ppt/slides/slide8.xml><?xml version="1.0" encoding="utf-8"?>
-<p:sld xmlns:a="http://schemas.openxmlformats.org/drawingml/2006/main" xmlns:r="http://schemas.openxmlformats.org/officeDocument/2006/relationships" xmlns:p="http://schemas.openxmlformats.org/presentationml/2006/main">
-  <p:cSld>
-    <p:spTree>
-      <p:nvGrpSpPr>
-        <p:cNvPr id="1" name=""/>
-        <p:cNvGrpSpPr/>
-        <p:nvPr/>
-      </p:nvGrpSpPr>
-      <p:grpSpPr>
-        <a:xfrm>
-          <a:off x="0" y="0"/>
-          <a:ext cx="0" cy="0"/>
-          <a:chOff x="0" y="0"/>
-          <a:chExt cx="0" cy="0"/>
-        </a:xfrm>
-      </p:grpSpPr>
-      <p:sp>
-        <p:nvSpPr>
-          <p:cNvPr id="7" name="Title 1"/>
-          <p:cNvSpPr>
-            <a:spLocks noGrp="1"/>
-          </p:cNvSpPr>
-          <p:nvPr>
-            <p:ph type="ctrTitle"/>
-          </p:nvPr>
-        </p:nvSpPr>
-        <p:spPr>
-          <a:xfrm>
-            <a:off x="571472" y="714356"/>
-            <a:ext cx="7772400" cy="1470025"/>
-          </a:xfrm>
-        </p:spPr>
-        <p:txBody>
-          <a:bodyPr>
-            <a:normAutofit/>
-          </a:bodyPr>
-          <a:lstStyle/>
-          <a:p>
-            <a:pPr algn="l"/>
-            <a:r>
-              <a:rPr lang="en-IN" sz="4800" b="1" dirty="0" smtClean="0">
-                <a:latin typeface="Calibri" pitchFamily="34" charset="0"/>
-              </a:rPr>
-              <a:t>Implementation Step-3:</a:t>
-            </a:r>
-            <a:endParaRPr lang="en-IN" sz="4800" b="1" dirty="0">
-              <a:latin typeface="Calibri" pitchFamily="34" charset="0"/>
-            </a:endParaRPr>
-          </a:p>
-        </p:txBody>
-      </p:sp>
-      <p:sp>
-        <p:nvSpPr>
-          <p:cNvPr id="8" name="Subtitle 2"/>
-          <p:cNvSpPr>
-            <a:spLocks noGrp="1"/>
-          </p:cNvSpPr>
-          <p:nvPr>
-            <p:ph type="subTitle" idx="1"/>
-          </p:nvPr>
-        </p:nvSpPr>
-        <p:spPr>
-          <a:xfrm>
-            <a:off x="571472" y="2285992"/>
-            <a:ext cx="7000924" cy="2643206"/>
-          </a:xfrm>
-        </p:spPr>
-        <p:txBody>
-          <a:bodyPr>
-            <a:normAutofit/>
-          </a:bodyPr>
-          <a:lstStyle/>
-          <a:p>
-            <a:pPr algn="l"/>
-            <a:r>
-              <a:rPr lang="en-IN" sz="2000" dirty="0" smtClean="0">
-                <a:solidFill>
-                  <a:schemeClr val="tx1"/>
-                </a:solidFill>
-                <a:latin typeface="Calibri" pitchFamily="34" charset="0"/>
-              </a:rPr>
-              <a:t>Deploying the web page on cloud server.</a:t>
-            </a:r>
-            <a:endParaRPr lang="en-IN" sz="2000" dirty="0">
-              <a:solidFill>
-                <a:schemeClr val="tx1"/>
-              </a:solidFill>
-              <a:latin typeface="Calibri" pitchFamily="34" charset="0"/>
-            </a:endParaRPr>
-          </a:p>
-        </p:txBody>
-      </p:sp>
-    </p:spTree>
-  </p:cSld>
-  <p:clrMapOvr>
-    <a:masterClrMapping/>
-  </p:clrMapOvr>
-  <p:timing>
-    <p:tnLst>
-      <p:par>
-        <p:cTn id="1" dur="indefinite" restart="never" nodeType="tmRoot"/>
-      </p:par>
-    </p:tnLst>
-  </p:timing>
-</p:sld>
-</file>
-
-<file path=ppt/slides/slide9.xml><?xml version="1.0" encoding="utf-8"?>
-<p:sld xmlns:a="http://schemas.openxmlformats.org/drawingml/2006/main" xmlns:r="http://schemas.openxmlformats.org/officeDocument/2006/relationships" xmlns:p="http://schemas.openxmlformats.org/presentationml/2006/main">
-  <p:cSld>
-    <p:spTree>
-      <p:nvGrpSpPr>
-        <p:cNvPr id="1" name=""/>
-        <p:cNvGrpSpPr/>
-        <p:nvPr/>
-      </p:nvGrpSpPr>
-      <p:grpSpPr>
-        <a:xfrm>
-          <a:off x="0" y="0"/>
-          <a:ext cx="0" cy="0"/>
-          <a:chOff x="0" y="0"/>
-          <a:chExt cx="0" cy="0"/>
-        </a:xfrm>
-      </p:grpSpPr>
-      <p:sp>
-        <p:nvSpPr>
-          <p:cNvPr id="7" name="Title 1"/>
-          <p:cNvSpPr>
-            <a:spLocks noGrp="1"/>
-          </p:cNvSpPr>
-          <p:nvPr>
-            <p:ph type="ctrTitle"/>
-          </p:nvPr>
-        </p:nvSpPr>
-        <p:spPr>
-          <a:xfrm>
-            <a:off x="571472" y="714356"/>
-            <a:ext cx="7772400" cy="1470025"/>
-          </a:xfrm>
-        </p:spPr>
-        <p:txBody>
-          <a:bodyPr>
-            <a:normAutofit/>
-          </a:bodyPr>
-          <a:lstStyle/>
-          <a:p>
-            <a:pPr algn="l"/>
-            <a:r>
-              <a:rPr lang="en-IN" sz="4800" b="1" dirty="0" smtClean="0">
-                <a:latin typeface="Calibri" pitchFamily="34" charset="0"/>
-              </a:rPr>
-              <a:t>Future Work:</a:t>
-            </a:r>
-            <a:endParaRPr lang="en-IN" sz="4800" b="1" dirty="0">
-              <a:latin typeface="Calibri" pitchFamily="34" charset="0"/>
-            </a:endParaRPr>
-          </a:p>
-        </p:txBody>
-      </p:sp>
-      <p:sp>
-        <p:nvSpPr>
-          <p:cNvPr id="8" name="Subtitle 2"/>
-          <p:cNvSpPr>
-            <a:spLocks noGrp="1"/>
-          </p:cNvSpPr>
-          <p:nvPr>
-            <p:ph type="subTitle" idx="1"/>
-          </p:nvPr>
-        </p:nvSpPr>
-        <p:spPr>
-          <a:xfrm>
-            <a:off x="571472" y="2285992"/>
-            <a:ext cx="7643866" cy="3500462"/>
-          </a:xfrm>
-        </p:spPr>
-        <p:txBody>
-          <a:bodyPr>
-            <a:normAutofit/>
-          </a:bodyPr>
-          <a:lstStyle/>
-          <a:p>
-            <a:pPr algn="l"/>
-            <a:r>
-              <a:rPr lang="en-IN" sz="2000" b="1" dirty="0" smtClean="0">
-                <a:solidFill>
-                  <a:schemeClr val="tx1"/>
-                </a:solidFill>
-                <a:latin typeface="Calibri" pitchFamily="34" charset="0"/>
-              </a:rPr>
-              <a:t>Using Machine Learning:</a:t>
-            </a:r>
-          </a:p>
-          <a:p>
-            <a:pPr algn="l"/>
-            <a:endParaRPr lang="en-IN" sz="2000" dirty="0" smtClean="0">
-              <a:solidFill>
-                <a:schemeClr val="tx1"/>
-              </a:solidFill>
-              <a:latin typeface="Calibri" pitchFamily="34" charset="0"/>
-            </a:endParaRPr>
-          </a:p>
-          <a:p>
-            <a:pPr marL="457200" indent="-457200" algn="l">
-              <a:buAutoNum type="arabicParenR"/>
-            </a:pPr>
-            <a:r>
-              <a:rPr lang="en-IN" sz="2000" dirty="0" smtClean="0">
-                <a:solidFill>
-                  <a:schemeClr val="tx1"/>
-                </a:solidFill>
-                <a:latin typeface="Calibri" pitchFamily="34" charset="0"/>
-              </a:rPr>
-              <a:t>Predict where the next fire will Ignite?</a:t>
-            </a:r>
-          </a:p>
-          <a:p>
-            <a:pPr marL="457200" indent="-457200" algn="l">
-              <a:buAutoNum type="arabicParenR"/>
-            </a:pPr>
-            <a:r>
-              <a:rPr lang="en-IN" sz="2000" dirty="0" smtClean="0">
-                <a:solidFill>
-                  <a:schemeClr val="tx1"/>
-                </a:solidFill>
-                <a:latin typeface="Calibri" pitchFamily="34" charset="0"/>
-              </a:rPr>
-              <a:t>Probability of wildfire spread across the region?</a:t>
-            </a:r>
-          </a:p>
-          <a:p>
-            <a:pPr marL="457200" indent="-457200" algn="l">
-              <a:buAutoNum type="arabicParenR"/>
-            </a:pPr>
-            <a:endParaRPr lang="en-IN" sz="2000" dirty="0" smtClean="0">
-              <a:solidFill>
-                <a:schemeClr val="tx1"/>
-              </a:solidFill>
-              <a:latin typeface="Calibri" pitchFamily="34" charset="0"/>
-            </a:endParaRPr>
-          </a:p>
-          <a:p>
-            <a:pPr marL="914400" lvl="1" indent="-457200" algn="l">
-              <a:buFont typeface="Wingdings" pitchFamily="2" charset="2"/>
-              <a:buChar char="§"/>
-            </a:pPr>
-            <a:r>
-              <a:rPr lang="en-IN" sz="1600" dirty="0" smtClean="0">
-                <a:solidFill>
-                  <a:schemeClr val="tx1"/>
-                </a:solidFill>
-                <a:latin typeface="Calibri" pitchFamily="34" charset="0"/>
-              </a:rPr>
-              <a:t>In this case, we will be writing python code for predicting the data. </a:t>
-            </a:r>
-          </a:p>
-          <a:p>
-            <a:pPr marL="914400" lvl="1" indent="-457200" algn="l">
-              <a:buFont typeface="Wingdings" pitchFamily="2" charset="2"/>
-              <a:buChar char="§"/>
-            </a:pPr>
-            <a:r>
-              <a:rPr lang="en-IN" sz="1600" dirty="0" smtClean="0">
-                <a:solidFill>
-                  <a:schemeClr val="tx1"/>
-                </a:solidFill>
-                <a:latin typeface="Calibri" pitchFamily="34" charset="0"/>
-              </a:rPr>
-              <a:t>Python code can be executed either by doing AJAX request or by creating a web service.</a:t>
-            </a:r>
-          </a:p>
-        </p:txBody>
-      </p:sp>
     </p:spTree>
   </p:cSld>
   <p:clrMapOvr>
